--- a/Modules/23 JavaScript Deep Dive/JavaScript Deep Dive.pptx
+++ b/Modules/23 JavaScript Deep Dive/JavaScript Deep Dive.pptx
@@ -5,35 +5,34 @@
     <p:sldMasterId id="2147483648" r:id="rId1"/>
   </p:sldMasterIdLst>
   <p:notesMasterIdLst>
-    <p:notesMasterId r:id="rId25"/>
+    <p:notesMasterId r:id="rId24"/>
   </p:notesMasterIdLst>
   <p:handoutMasterIdLst>
-    <p:handoutMasterId r:id="rId26"/>
+    <p:handoutMasterId r:id="rId25"/>
   </p:handoutMasterIdLst>
   <p:sldIdLst>
-    <p:sldId id="256" r:id="rId2"/>
-    <p:sldId id="295" r:id="rId3"/>
-    <p:sldId id="261" r:id="rId4"/>
-    <p:sldId id="278" r:id="rId5"/>
-    <p:sldId id="259" r:id="rId6"/>
-    <p:sldId id="273" r:id="rId7"/>
-    <p:sldId id="262" r:id="rId8"/>
-    <p:sldId id="275" r:id="rId9"/>
-    <p:sldId id="276" r:id="rId10"/>
-    <p:sldId id="277" r:id="rId11"/>
-    <p:sldId id="279" r:id="rId12"/>
-    <p:sldId id="310" r:id="rId13"/>
-    <p:sldId id="265" r:id="rId14"/>
-    <p:sldId id="311" r:id="rId15"/>
-    <p:sldId id="268" r:id="rId16"/>
-    <p:sldId id="270" r:id="rId17"/>
-    <p:sldId id="271" r:id="rId18"/>
-    <p:sldId id="280" r:id="rId19"/>
-    <p:sldId id="281" r:id="rId20"/>
-    <p:sldId id="283" r:id="rId21"/>
-    <p:sldId id="284" r:id="rId22"/>
-    <p:sldId id="328" r:id="rId23"/>
-    <p:sldId id="382" r:id="rId24"/>
+    <p:sldId id="295" r:id="rId2"/>
+    <p:sldId id="261" r:id="rId3"/>
+    <p:sldId id="278" r:id="rId4"/>
+    <p:sldId id="259" r:id="rId5"/>
+    <p:sldId id="273" r:id="rId6"/>
+    <p:sldId id="262" r:id="rId7"/>
+    <p:sldId id="275" r:id="rId8"/>
+    <p:sldId id="276" r:id="rId9"/>
+    <p:sldId id="277" r:id="rId10"/>
+    <p:sldId id="279" r:id="rId11"/>
+    <p:sldId id="310" r:id="rId12"/>
+    <p:sldId id="265" r:id="rId13"/>
+    <p:sldId id="311" r:id="rId14"/>
+    <p:sldId id="268" r:id="rId15"/>
+    <p:sldId id="270" r:id="rId16"/>
+    <p:sldId id="271" r:id="rId17"/>
+    <p:sldId id="280" r:id="rId18"/>
+    <p:sldId id="281" r:id="rId19"/>
+    <p:sldId id="283" r:id="rId20"/>
+    <p:sldId id="284" r:id="rId21"/>
+    <p:sldId id="328" r:id="rId22"/>
+    <p:sldId id="382" r:id="rId23"/>
   </p:sldIdLst>
   <p:sldSz cx="12192000" cy="6858000"/>
   <p:notesSz cx="6858000" cy="9144000"/>
@@ -8936,7 +8935,7 @@
           <a:p>
             <a:fld id="{FBCC5CD7-E1E8-4B1C-AC9A-EB81F370EC71}" type="datetimeFigureOut">
               <a:rPr lang="en-US" smtClean="0"/>
-              <a:t>28-05-20</a:t>
+              <a:t>10/1/2020</a:t>
             </a:fld>
             <a:endParaRPr lang="en-US"/>
           </a:p>
@@ -9113,7 +9112,7 @@
           <a:p>
             <a:fld id="{EF7605A9-D843-407C-9CBE-B56DCAD297D7}" type="datetimeFigureOut">
               <a:rPr lang="en-US" smtClean="0"/>
-              <a:t>28-05-20</a:t>
+              <a:t>10/1/2020</a:t>
             </a:fld>
             <a:endParaRPr lang="en-US"/>
           </a:p>
@@ -9446,7 +9445,7 @@
           <a:p>
             <a:fld id="{D02E503F-FB1D-4EEF-B3E2-A9953D47E173}" type="slidenum">
               <a:rPr lang="en-US" smtClean="0"/>
-              <a:t>3</a:t>
+              <a:t>2</a:t>
             </a:fld>
             <a:endParaRPr lang="en-US"/>
           </a:p>
@@ -9550,7 +9549,7 @@
           <a:p>
             <a:fld id="{D02E503F-FB1D-4EEF-B3E2-A9953D47E173}" type="slidenum">
               <a:rPr lang="en-US" smtClean="0"/>
-              <a:t>22</a:t>
+              <a:t>21</a:t>
             </a:fld>
             <a:endParaRPr lang="en-US"/>
           </a:p>
@@ -9700,7 +9699,7 @@
           <a:p>
             <a:fld id="{ACF7820E-34FD-4988-B782-4EA914680210}" type="datetimeFigureOut">
               <a:rPr lang="da-DK" smtClean="0"/>
-              <a:t>28-05-2020</a:t>
+              <a:t>01-10-2020</a:t>
             </a:fld>
             <a:endParaRPr lang="da-DK"/>
           </a:p>
@@ -9848,7 +9847,7 @@
           <a:p>
             <a:fld id="{ACF7820E-34FD-4988-B782-4EA914680210}" type="datetimeFigureOut">
               <a:rPr lang="da-DK" smtClean="0"/>
-              <a:t>28-05-2020</a:t>
+              <a:t>01-10-2020</a:t>
             </a:fld>
             <a:endParaRPr lang="da-DK"/>
           </a:p>
@@ -9973,7 +9972,7 @@
           <a:p>
             <a:fld id="{ACF7820E-34FD-4988-B782-4EA914680210}" type="datetimeFigureOut">
               <a:rPr lang="da-DK" smtClean="0"/>
-              <a:t>28-05-2020</a:t>
+              <a:t>01-10-2020</a:t>
             </a:fld>
             <a:endParaRPr lang="da-DK"/>
           </a:p>
@@ -10098,7 +10097,7 @@
           <a:p>
             <a:fld id="{ACF7820E-34FD-4988-B782-4EA914680210}" type="datetimeFigureOut">
               <a:rPr lang="da-DK" smtClean="0"/>
-              <a:t>28-05-2020</a:t>
+              <a:t>01-10-2020</a:t>
             </a:fld>
             <a:endParaRPr lang="da-DK"/>
           </a:p>
@@ -10412,7 +10411,7 @@
           <a:p>
             <a:fld id="{ACF7820E-34FD-4988-B782-4EA914680210}" type="datetimeFigureOut">
               <a:rPr lang="da-DK" smtClean="0"/>
-              <a:t>28-05-2020</a:t>
+              <a:t>01-10-2020</a:t>
             </a:fld>
             <a:endParaRPr lang="da-DK"/>
           </a:p>
@@ -10726,7 +10725,7 @@
           <a:p>
             <a:fld id="{ACF7820E-34FD-4988-B782-4EA914680210}" type="datetimeFigureOut">
               <a:rPr lang="da-DK" smtClean="0"/>
-              <a:t>28-05-2020</a:t>
+              <a:t>01-10-2020</a:t>
             </a:fld>
             <a:endParaRPr lang="da-DK"/>
           </a:p>
@@ -11009,7 +11008,7 @@
           <a:p>
             <a:fld id="{ACF7820E-34FD-4988-B782-4EA914680210}" type="datetimeFigureOut">
               <a:rPr lang="da-DK" smtClean="0"/>
-              <a:t>28-05-2020</a:t>
+              <a:t>01-10-2020</a:t>
             </a:fld>
             <a:endParaRPr lang="da-DK"/>
           </a:p>
@@ -11292,7 +11291,7 @@
           <a:p>
             <a:fld id="{ACF7820E-34FD-4988-B782-4EA914680210}" type="datetimeFigureOut">
               <a:rPr lang="da-DK" smtClean="0"/>
-              <a:t>28-05-2020</a:t>
+              <a:t>01-10-2020</a:t>
             </a:fld>
             <a:endParaRPr lang="da-DK"/>
           </a:p>
@@ -11497,7 +11496,7 @@
           <a:p>
             <a:fld id="{ACF7820E-34FD-4988-B782-4EA914680210}" type="datetimeFigureOut">
               <a:rPr lang="da-DK" smtClean="0"/>
-              <a:t>28-05-2020</a:t>
+              <a:t>01-10-2020</a:t>
             </a:fld>
             <a:endParaRPr lang="da-DK"/>
           </a:p>
@@ -11702,7 +11701,7 @@
           <a:p>
             <a:fld id="{ACF7820E-34FD-4988-B782-4EA914680210}" type="datetimeFigureOut">
               <a:rPr lang="da-DK" smtClean="0"/>
-              <a:t>28-05-2020</a:t>
+              <a:t>01-10-2020</a:t>
             </a:fld>
             <a:endParaRPr lang="da-DK"/>
           </a:p>
@@ -11978,7 +11977,7 @@
           <a:p>
             <a:fld id="{ACF7820E-34FD-4988-B782-4EA914680210}" type="datetimeFigureOut">
               <a:rPr lang="da-DK" smtClean="0"/>
-              <a:t>28-05-2020</a:t>
+              <a:t>01-10-2020</a:t>
             </a:fld>
             <a:endParaRPr lang="da-DK"/>
           </a:p>
@@ -12210,7 +12209,7 @@
           <a:p>
             <a:fld id="{ACF7820E-34FD-4988-B782-4EA914680210}" type="datetimeFigureOut">
               <a:rPr lang="da-DK" smtClean="0"/>
-              <a:t>28-05-2020</a:t>
+              <a:t>01-10-2020</a:t>
             </a:fld>
             <a:endParaRPr lang="da-DK"/>
           </a:p>
@@ -12472,7 +12471,7 @@
           <a:p>
             <a:fld id="{ACF7820E-34FD-4988-B782-4EA914680210}" type="datetimeFigureOut">
               <a:rPr lang="da-DK" smtClean="0"/>
-              <a:t>28-05-2020</a:t>
+              <a:t>01-10-2020</a:t>
             </a:fld>
             <a:endParaRPr lang="da-DK"/>
           </a:p>
@@ -12885,7 +12884,7 @@
           <a:p>
             <a:fld id="{ACF7820E-34FD-4988-B782-4EA914680210}" type="datetimeFigureOut">
               <a:rPr lang="da-DK" smtClean="0"/>
-              <a:t>28-05-2020</a:t>
+              <a:t>01-10-2020</a:t>
             </a:fld>
             <a:endParaRPr lang="da-DK"/>
           </a:p>
@@ -13298,7 +13297,7 @@
           <a:p>
             <a:fld id="{ACF7820E-34FD-4988-B782-4EA914680210}" type="datetimeFigureOut">
               <a:rPr lang="da-DK" smtClean="0"/>
-              <a:t>28-05-2020</a:t>
+              <a:t>01-10-2020</a:t>
             </a:fld>
             <a:endParaRPr lang="da-DK"/>
           </a:p>
@@ -13446,7 +13445,7 @@
           <a:p>
             <a:fld id="{ACF7820E-34FD-4988-B782-4EA914680210}" type="datetimeFigureOut">
               <a:rPr lang="da-DK" smtClean="0"/>
-              <a:t>28-05-2020</a:t>
+              <a:t>01-10-2020</a:t>
             </a:fld>
             <a:endParaRPr lang="da-DK"/>
           </a:p>
@@ -13689,7 +13688,7 @@
           <a:p>
             <a:fld id="{ACF7820E-34FD-4988-B782-4EA914680210}" type="datetimeFigureOut">
               <a:rPr lang="da-DK" smtClean="0"/>
-              <a:t>28-05-2020</a:t>
+              <a:t>01-10-2020</a:t>
             </a:fld>
             <a:endParaRPr lang="da-DK"/>
           </a:p>
@@ -14101,12 +14100,18 @@
       </p:grpSpPr>
       <p:sp>
         <p:nvSpPr>
-          <p:cNvPr id="2" name="Title 1"/>
+          <p:cNvPr id="2" name="Titel 1">
+            <a:extLst>
+              <a:ext uri="{FF2B5EF4-FFF2-40B4-BE49-F238E27FC236}">
+                <a16:creationId xmlns:a16="http://schemas.microsoft.com/office/drawing/2014/main" id="{5A7F4599-C5A4-4F9A-8B93-669810D8FBC2}"/>
+              </a:ext>
+            </a:extLst>
+          </p:cNvPr>
           <p:cNvSpPr>
             <a:spLocks noGrp="1"/>
           </p:cNvSpPr>
           <p:nvPr>
-            <p:ph type="ctrTitle"/>
+            <p:ph type="title"/>
           </p:nvPr>
         </p:nvSpPr>
         <p:spPr/>
@@ -14116,56 +14121,43 @@
           <a:p>
             <a:r>
               <a:rPr lang="en-US" dirty="0"/>
-              <a:t>JavaScript deep dive</a:t>
-            </a:r>
-            <a:endParaRPr lang="en-US" noProof="0" dirty="0"/>
+              <a:t>Preparation</a:t>
+            </a:r>
           </a:p>
         </p:txBody>
       </p:sp>
-      <p:sp>
-        <p:nvSpPr>
-          <p:cNvPr id="3" name="Subtitle 2"/>
-          <p:cNvSpPr>
-            <a:spLocks noGrp="1"/>
-          </p:cNvSpPr>
-          <p:nvPr>
-            <p:ph type="subTitle" idx="1"/>
-          </p:nvPr>
-        </p:nvSpPr>
-        <p:spPr/>
-        <p:txBody>
-          <a:bodyPr/>
-          <a:lstStyle/>
-          <a:p>
-            <a:r>
-              <a:rPr lang="en-US" noProof="0" dirty="0"/>
-              <a:t>Write text here</a:t>
-            </a:r>
-          </a:p>
-        </p:txBody>
-      </p:sp>
+      <p:graphicFrame>
+        <p:nvGraphicFramePr>
+          <p:cNvPr id="6" name="Diagram 5">
+            <a:extLst>
+              <a:ext uri="{FF2B5EF4-FFF2-40B4-BE49-F238E27FC236}">
+                <a16:creationId xmlns:a16="http://schemas.microsoft.com/office/drawing/2014/main" id="{2DC1BD5F-F921-4B36-8EAA-2B6B9CFD072F}"/>
+              </a:ext>
+            </a:extLst>
+          </p:cNvPr>
+          <p:cNvGraphicFramePr/>
+          <p:nvPr/>
+        </p:nvGraphicFramePr>
+        <p:xfrm>
+          <a:off x="838200" y="1932495"/>
+          <a:ext cx="8777140" cy="4196411"/>
+        </p:xfrm>
+        <a:graphic>
+          <a:graphicData uri="http://schemas.openxmlformats.org/drawingml/2006/diagram">
+            <dgm:relIds xmlns:dgm="http://schemas.openxmlformats.org/drawingml/2006/diagram" xmlns:r="http://schemas.openxmlformats.org/officeDocument/2006/relationships" r:dm="rId2" r:lo="rId3" r:qs="rId4" r:cs="rId5"/>
+          </a:graphicData>
+        </a:graphic>
+      </p:graphicFrame>
     </p:spTree>
     <p:extLst>
       <p:ext uri="{BB962C8B-B14F-4D97-AF65-F5344CB8AC3E}">
-        <p14:creationId xmlns:p14="http://schemas.microsoft.com/office/powerpoint/2010/main" val="3693007550"/>
+        <p14:creationId xmlns:p14="http://schemas.microsoft.com/office/powerpoint/2010/main" val="2921387556"/>
       </p:ext>
     </p:extLst>
   </p:cSld>
   <p:clrMapOvr>
     <a:masterClrMapping/>
   </p:clrMapOvr>
-  <mc:AlternateContent xmlns:mc="http://schemas.openxmlformats.org/markup-compatibility/2006" xmlns:p14="http://schemas.microsoft.com/office/powerpoint/2010/main">
-    <mc:Choice Requires="p14">
-      <p:transition spd="slow" p14:dur="3400">
-        <p14:reveal/>
-      </p:transition>
-    </mc:Choice>
-    <mc:Fallback xmlns="">
-      <p:transition spd="slow">
-        <p:fade/>
-      </p:transition>
-    </mc:Fallback>
-  </mc:AlternateContent>
 </p:sld>
 </file>
 
@@ -14203,562 +14195,6 @@
           <a:p>
             <a:r>
               <a:rPr lang="nl-NL" dirty="0" err="1"/>
-              <a:t>Logical</a:t>
-            </a:r>
-            <a:r>
-              <a:rPr lang="nl-NL" dirty="0"/>
-              <a:t> &amp; Type Operators</a:t>
-            </a:r>
-          </a:p>
-        </p:txBody>
-      </p:sp>
-      <p:graphicFrame>
-        <p:nvGraphicFramePr>
-          <p:cNvPr id="4" name="Tijdelijke aanduiding voor inhoud 3"/>
-          <p:cNvGraphicFramePr>
-            <a:graphicFrameLocks noGrp="1"/>
-          </p:cNvGraphicFramePr>
-          <p:nvPr>
-            <p:ph idx="1"/>
-          </p:nvPr>
-        </p:nvGraphicFramePr>
-        <p:xfrm>
-          <a:off x="838200" y="1690688"/>
-          <a:ext cx="10515600" cy="1463040"/>
-        </p:xfrm>
-        <a:graphic>
-          <a:graphicData uri="http://schemas.openxmlformats.org/drawingml/2006/table">
-            <a:tbl>
-              <a:tblPr/>
-              <a:tblGrid>
-                <a:gridCol w="5257800">
-                  <a:extLst>
-                    <a:ext uri="{9D8B030D-6E8A-4147-A177-3AD203B41FA5}">
-                      <a16:colId xmlns:a16="http://schemas.microsoft.com/office/drawing/2014/main" val="2393266909"/>
-                    </a:ext>
-                  </a:extLst>
-                </a:gridCol>
-                <a:gridCol w="5257800">
-                  <a:extLst>
-                    <a:ext uri="{9D8B030D-6E8A-4147-A177-3AD203B41FA5}">
-                      <a16:colId xmlns:a16="http://schemas.microsoft.com/office/drawing/2014/main" val="2370691890"/>
-                    </a:ext>
-                  </a:extLst>
-                </a:gridCol>
-              </a:tblGrid>
-              <a:tr h="0">
-                <a:tc>
-                  <a:txBody>
-                    <a:bodyPr/>
-                    <a:lstStyle/>
-                    <a:p>
-                      <a:r>
-                        <a:rPr lang="nl-NL">
-                          <a:effectLst/>
-                        </a:rPr>
-                        <a:t>Operator</a:t>
-                      </a:r>
-                    </a:p>
-                  </a:txBody>
-                  <a:tcPr anchor="ctr">
-                    <a:lnL>
-                      <a:noFill/>
-                    </a:lnL>
-                    <a:lnR>
-                      <a:noFill/>
-                    </a:lnR>
-                    <a:lnT>
-                      <a:noFill/>
-                    </a:lnT>
-                    <a:lnB>
-                      <a:noFill/>
-                    </a:lnB>
-                  </a:tcPr>
-                </a:tc>
-                <a:tc>
-                  <a:txBody>
-                    <a:bodyPr/>
-                    <a:lstStyle/>
-                    <a:p>
-                      <a:r>
-                        <a:rPr lang="nl-NL"/>
-                        <a:t>Description</a:t>
-                      </a:r>
-                    </a:p>
-                  </a:txBody>
-                  <a:tcPr anchor="ctr">
-                    <a:lnL>
-                      <a:noFill/>
-                    </a:lnL>
-                    <a:lnR>
-                      <a:noFill/>
-                    </a:lnR>
-                    <a:lnT>
-                      <a:noFill/>
-                    </a:lnT>
-                    <a:lnB>
-                      <a:noFill/>
-                    </a:lnB>
-                  </a:tcPr>
-                </a:tc>
-                <a:extLst>
-                  <a:ext uri="{0D108BD9-81ED-4DB2-BD59-A6C34878D82A}">
-                    <a16:rowId xmlns:a16="http://schemas.microsoft.com/office/drawing/2014/main" val="3926639298"/>
-                  </a:ext>
-                </a:extLst>
-              </a:tr>
-              <a:tr h="0">
-                <a:tc>
-                  <a:txBody>
-                    <a:bodyPr/>
-                    <a:lstStyle/>
-                    <a:p>
-                      <a:r>
-                        <a:rPr lang="nl-NL"/>
-                        <a:t>&amp;&amp;</a:t>
-                      </a:r>
-                    </a:p>
-                  </a:txBody>
-                  <a:tcPr anchor="ctr">
-                    <a:lnL>
-                      <a:noFill/>
-                    </a:lnL>
-                    <a:lnR>
-                      <a:noFill/>
-                    </a:lnR>
-                    <a:lnT>
-                      <a:noFill/>
-                    </a:lnT>
-                    <a:lnB>
-                      <a:noFill/>
-                    </a:lnB>
-                  </a:tcPr>
-                </a:tc>
-                <a:tc>
-                  <a:txBody>
-                    <a:bodyPr/>
-                    <a:lstStyle/>
-                    <a:p>
-                      <a:r>
-                        <a:rPr lang="nl-NL"/>
-                        <a:t>logical and</a:t>
-                      </a:r>
-                    </a:p>
-                  </a:txBody>
-                  <a:tcPr anchor="ctr">
-                    <a:lnL>
-                      <a:noFill/>
-                    </a:lnL>
-                    <a:lnR>
-                      <a:noFill/>
-                    </a:lnR>
-                    <a:lnT>
-                      <a:noFill/>
-                    </a:lnT>
-                    <a:lnB>
-                      <a:noFill/>
-                    </a:lnB>
-                  </a:tcPr>
-                </a:tc>
-                <a:extLst>
-                  <a:ext uri="{0D108BD9-81ED-4DB2-BD59-A6C34878D82A}">
-                    <a16:rowId xmlns:a16="http://schemas.microsoft.com/office/drawing/2014/main" val="1308634113"/>
-                  </a:ext>
-                </a:extLst>
-              </a:tr>
-              <a:tr h="0">
-                <a:tc>
-                  <a:txBody>
-                    <a:bodyPr/>
-                    <a:lstStyle/>
-                    <a:p>
-                      <a:r>
-                        <a:rPr lang="nl-NL"/>
-                        <a:t>||</a:t>
-                      </a:r>
-                    </a:p>
-                  </a:txBody>
-                  <a:tcPr anchor="ctr">
-                    <a:lnL>
-                      <a:noFill/>
-                    </a:lnL>
-                    <a:lnR>
-                      <a:noFill/>
-                    </a:lnR>
-                    <a:lnT>
-                      <a:noFill/>
-                    </a:lnT>
-                    <a:lnB>
-                      <a:noFill/>
-                    </a:lnB>
-                  </a:tcPr>
-                </a:tc>
-                <a:tc>
-                  <a:txBody>
-                    <a:bodyPr/>
-                    <a:lstStyle/>
-                    <a:p>
-                      <a:r>
-                        <a:rPr lang="nl-NL"/>
-                        <a:t>logical or</a:t>
-                      </a:r>
-                    </a:p>
-                  </a:txBody>
-                  <a:tcPr anchor="ctr">
-                    <a:lnL>
-                      <a:noFill/>
-                    </a:lnL>
-                    <a:lnR>
-                      <a:noFill/>
-                    </a:lnR>
-                    <a:lnT>
-                      <a:noFill/>
-                    </a:lnT>
-                    <a:lnB>
-                      <a:noFill/>
-                    </a:lnB>
-                  </a:tcPr>
-                </a:tc>
-                <a:extLst>
-                  <a:ext uri="{0D108BD9-81ED-4DB2-BD59-A6C34878D82A}">
-                    <a16:rowId xmlns:a16="http://schemas.microsoft.com/office/drawing/2014/main" val="2395242936"/>
-                  </a:ext>
-                </a:extLst>
-              </a:tr>
-              <a:tr h="0">
-                <a:tc>
-                  <a:txBody>
-                    <a:bodyPr/>
-                    <a:lstStyle/>
-                    <a:p>
-                      <a:r>
-                        <a:rPr lang="nl-NL"/>
-                        <a:t>!</a:t>
-                      </a:r>
-                    </a:p>
-                  </a:txBody>
-                  <a:tcPr anchor="ctr">
-                    <a:lnL>
-                      <a:noFill/>
-                    </a:lnL>
-                    <a:lnR>
-                      <a:noFill/>
-                    </a:lnR>
-                    <a:lnT>
-                      <a:noFill/>
-                    </a:lnT>
-                    <a:lnB>
-                      <a:noFill/>
-                    </a:lnB>
-                  </a:tcPr>
-                </a:tc>
-                <a:tc>
-                  <a:txBody>
-                    <a:bodyPr/>
-                    <a:lstStyle/>
-                    <a:p>
-                      <a:r>
-                        <a:rPr lang="nl-NL" dirty="0" err="1"/>
-                        <a:t>logical</a:t>
-                      </a:r>
-                      <a:r>
-                        <a:rPr lang="nl-NL" dirty="0"/>
-                        <a:t> </a:t>
-                      </a:r>
-                      <a:r>
-                        <a:rPr lang="nl-NL" dirty="0" err="1"/>
-                        <a:t>not</a:t>
-                      </a:r>
-                      <a:endParaRPr lang="nl-NL" dirty="0"/>
-                    </a:p>
-                  </a:txBody>
-                  <a:tcPr anchor="ctr">
-                    <a:lnL>
-                      <a:noFill/>
-                    </a:lnL>
-                    <a:lnR>
-                      <a:noFill/>
-                    </a:lnR>
-                    <a:lnT>
-                      <a:noFill/>
-                    </a:lnT>
-                    <a:lnB>
-                      <a:noFill/>
-                    </a:lnB>
-                  </a:tcPr>
-                </a:tc>
-                <a:extLst>
-                  <a:ext uri="{0D108BD9-81ED-4DB2-BD59-A6C34878D82A}">
-                    <a16:rowId xmlns:a16="http://schemas.microsoft.com/office/drawing/2014/main" val="1068853729"/>
-                  </a:ext>
-                </a:extLst>
-              </a:tr>
-            </a:tbl>
-          </a:graphicData>
-        </a:graphic>
-      </p:graphicFrame>
-      <p:graphicFrame>
-        <p:nvGraphicFramePr>
-          <p:cNvPr id="5" name="Tabel 4"/>
-          <p:cNvGraphicFramePr>
-            <a:graphicFrameLocks noGrp="1"/>
-          </p:cNvGraphicFramePr>
-          <p:nvPr/>
-        </p:nvGraphicFramePr>
-        <p:xfrm>
-          <a:off x="838200" y="3569494"/>
-          <a:ext cx="10515600" cy="1371600"/>
-        </p:xfrm>
-        <a:graphic>
-          <a:graphicData uri="http://schemas.openxmlformats.org/drawingml/2006/table">
-            <a:tbl>
-              <a:tblPr/>
-              <a:tblGrid>
-                <a:gridCol w="5257800">
-                  <a:extLst>
-                    <a:ext uri="{9D8B030D-6E8A-4147-A177-3AD203B41FA5}">
-                      <a16:colId xmlns:a16="http://schemas.microsoft.com/office/drawing/2014/main" val="3388283347"/>
-                    </a:ext>
-                  </a:extLst>
-                </a:gridCol>
-                <a:gridCol w="5257800">
-                  <a:extLst>
-                    <a:ext uri="{9D8B030D-6E8A-4147-A177-3AD203B41FA5}">
-                      <a16:colId xmlns:a16="http://schemas.microsoft.com/office/drawing/2014/main" val="1771564552"/>
-                    </a:ext>
-                  </a:extLst>
-                </a:gridCol>
-              </a:tblGrid>
-              <a:tr h="0">
-                <a:tc>
-                  <a:txBody>
-                    <a:bodyPr/>
-                    <a:lstStyle/>
-                    <a:p>
-                      <a:r>
-                        <a:rPr lang="nl-NL">
-                          <a:effectLst/>
-                        </a:rPr>
-                        <a:t>Operator</a:t>
-                      </a:r>
-                    </a:p>
-                  </a:txBody>
-                  <a:tcPr anchor="ctr">
-                    <a:lnL>
-                      <a:noFill/>
-                    </a:lnL>
-                    <a:lnR>
-                      <a:noFill/>
-                    </a:lnR>
-                    <a:lnT>
-                      <a:noFill/>
-                    </a:lnT>
-                    <a:lnB>
-                      <a:noFill/>
-                    </a:lnB>
-                  </a:tcPr>
-                </a:tc>
-                <a:tc>
-                  <a:txBody>
-                    <a:bodyPr/>
-                    <a:lstStyle/>
-                    <a:p>
-                      <a:r>
-                        <a:rPr lang="nl-NL"/>
-                        <a:t>Description</a:t>
-                      </a:r>
-                    </a:p>
-                  </a:txBody>
-                  <a:tcPr anchor="ctr">
-                    <a:lnL>
-                      <a:noFill/>
-                    </a:lnL>
-                    <a:lnR>
-                      <a:noFill/>
-                    </a:lnR>
-                    <a:lnT>
-                      <a:noFill/>
-                    </a:lnT>
-                    <a:lnB>
-                      <a:noFill/>
-                    </a:lnB>
-                  </a:tcPr>
-                </a:tc>
-                <a:extLst>
-                  <a:ext uri="{0D108BD9-81ED-4DB2-BD59-A6C34878D82A}">
-                    <a16:rowId xmlns:a16="http://schemas.microsoft.com/office/drawing/2014/main" val="1295582507"/>
-                  </a:ext>
-                </a:extLst>
-              </a:tr>
-              <a:tr h="0">
-                <a:tc>
-                  <a:txBody>
-                    <a:bodyPr/>
-                    <a:lstStyle/>
-                    <a:p>
-                      <a:r>
-                        <a:rPr lang="nl-NL"/>
-                        <a:t>typeof</a:t>
-                      </a:r>
-                    </a:p>
-                  </a:txBody>
-                  <a:tcPr anchor="ctr">
-                    <a:lnL>
-                      <a:noFill/>
-                    </a:lnL>
-                    <a:lnR>
-                      <a:noFill/>
-                    </a:lnR>
-                    <a:lnT>
-                      <a:noFill/>
-                    </a:lnT>
-                    <a:lnB>
-                      <a:noFill/>
-                    </a:lnB>
-                  </a:tcPr>
-                </a:tc>
-                <a:tc>
-                  <a:txBody>
-                    <a:bodyPr/>
-                    <a:lstStyle/>
-                    <a:p>
-                      <a:r>
-                        <a:rPr lang="en-US"/>
-                        <a:t>Returns the type of a variable</a:t>
-                      </a:r>
-                    </a:p>
-                  </a:txBody>
-                  <a:tcPr anchor="ctr">
-                    <a:lnL>
-                      <a:noFill/>
-                    </a:lnL>
-                    <a:lnR>
-                      <a:noFill/>
-                    </a:lnR>
-                    <a:lnT>
-                      <a:noFill/>
-                    </a:lnT>
-                    <a:lnB>
-                      <a:noFill/>
-                    </a:lnB>
-                  </a:tcPr>
-                </a:tc>
-                <a:extLst>
-                  <a:ext uri="{0D108BD9-81ED-4DB2-BD59-A6C34878D82A}">
-                    <a16:rowId xmlns:a16="http://schemas.microsoft.com/office/drawing/2014/main" val="3284969778"/>
-                  </a:ext>
-                </a:extLst>
-              </a:tr>
-              <a:tr h="0">
-                <a:tc>
-                  <a:txBody>
-                    <a:bodyPr/>
-                    <a:lstStyle/>
-                    <a:p>
-                      <a:r>
-                        <a:rPr lang="nl-NL"/>
-                        <a:t>instanceof</a:t>
-                      </a:r>
-                    </a:p>
-                  </a:txBody>
-                  <a:tcPr anchor="ctr">
-                    <a:lnL>
-                      <a:noFill/>
-                    </a:lnL>
-                    <a:lnR>
-                      <a:noFill/>
-                    </a:lnR>
-                    <a:lnT>
-                      <a:noFill/>
-                    </a:lnT>
-                    <a:lnB>
-                      <a:noFill/>
-                    </a:lnB>
-                  </a:tcPr>
-                </a:tc>
-                <a:tc>
-                  <a:txBody>
-                    <a:bodyPr/>
-                    <a:lstStyle/>
-                    <a:p>
-                      <a:r>
-                        <a:rPr lang="en-US" dirty="0"/>
-                        <a:t>Returns true if an object is an instance of an object type</a:t>
-                      </a:r>
-                    </a:p>
-                  </a:txBody>
-                  <a:tcPr anchor="ctr">
-                    <a:lnL>
-                      <a:noFill/>
-                    </a:lnL>
-                    <a:lnR>
-                      <a:noFill/>
-                    </a:lnR>
-                    <a:lnT>
-                      <a:noFill/>
-                    </a:lnT>
-                    <a:lnB>
-                      <a:noFill/>
-                    </a:lnB>
-                  </a:tcPr>
-                </a:tc>
-                <a:extLst>
-                  <a:ext uri="{0D108BD9-81ED-4DB2-BD59-A6C34878D82A}">
-                    <a16:rowId xmlns:a16="http://schemas.microsoft.com/office/drawing/2014/main" val="1641264672"/>
-                  </a:ext>
-                </a:extLst>
-              </a:tr>
-            </a:tbl>
-          </a:graphicData>
-        </a:graphic>
-      </p:graphicFrame>
-    </p:spTree>
-    <p:extLst>
-      <p:ext uri="{BB962C8B-B14F-4D97-AF65-F5344CB8AC3E}">
-        <p14:creationId xmlns:p14="http://schemas.microsoft.com/office/powerpoint/2010/main" val="847020233"/>
-      </p:ext>
-    </p:extLst>
-  </p:cSld>
-  <p:clrMapOvr>
-    <a:masterClrMapping/>
-  </p:clrMapOvr>
-</p:sld>
-</file>
-
-<file path=ppt/slides/slide11.xml><?xml version="1.0" encoding="utf-8"?>
-<p:sld xmlns:a="http://schemas.openxmlformats.org/drawingml/2006/main" xmlns:r="http://schemas.openxmlformats.org/officeDocument/2006/relationships" xmlns:p="http://schemas.openxmlformats.org/presentationml/2006/main">
-  <p:cSld>
-    <p:spTree>
-      <p:nvGrpSpPr>
-        <p:cNvPr id="1" name=""/>
-        <p:cNvGrpSpPr/>
-        <p:nvPr/>
-      </p:nvGrpSpPr>
-      <p:grpSpPr>
-        <a:xfrm>
-          <a:off x="0" y="0"/>
-          <a:ext cx="0" cy="0"/>
-          <a:chOff x="0" y="0"/>
-          <a:chExt cx="0" cy="0"/>
-        </a:xfrm>
-      </p:grpSpPr>
-      <p:sp>
-        <p:nvSpPr>
-          <p:cNvPr id="2" name="Titel 1"/>
-          <p:cNvSpPr>
-            <a:spLocks noGrp="1"/>
-          </p:cNvSpPr>
-          <p:nvPr>
-            <p:ph type="title"/>
-          </p:nvPr>
-        </p:nvSpPr>
-        <p:spPr/>
-        <p:txBody>
-          <a:bodyPr/>
-          <a:lstStyle/>
-          <a:p>
-            <a:r>
-              <a:rPr lang="nl-NL" dirty="0" err="1"/>
               <a:t>Null</a:t>
             </a:r>
             <a:r>
@@ -14934,7 +14370,7 @@
 </p:sld>
 </file>
 
-<file path=ppt/slides/slide12.xml><?xml version="1.0" encoding="utf-8"?>
+<file path=ppt/slides/slide11.xml><?xml version="1.0" encoding="utf-8"?>
 <p:sld xmlns:a="http://schemas.openxmlformats.org/drawingml/2006/main" xmlns:r="http://schemas.openxmlformats.org/officeDocument/2006/relationships" xmlns:p="http://schemas.openxmlformats.org/presentationml/2006/main">
   <p:cSld>
     <p:spTree>
@@ -15054,7 +14490,7 @@
 </p:sld>
 </file>
 
-<file path=ppt/slides/slide13.xml><?xml version="1.0" encoding="utf-8"?>
+<file path=ppt/slides/slide12.xml><?xml version="1.0" encoding="utf-8"?>
 <p:sld xmlns:a="http://schemas.openxmlformats.org/drawingml/2006/main" xmlns:r="http://schemas.openxmlformats.org/officeDocument/2006/relationships" xmlns:p="http://schemas.openxmlformats.org/presentationml/2006/main">
   <p:cSld>
     <p:spTree>
@@ -15142,7 +14578,7 @@
 </p:sld>
 </file>
 
-<file path=ppt/slides/slide14.xml><?xml version="1.0" encoding="utf-8"?>
+<file path=ppt/slides/slide13.xml><?xml version="1.0" encoding="utf-8"?>
 <p:sld xmlns:a="http://schemas.openxmlformats.org/drawingml/2006/main" xmlns:r="http://schemas.openxmlformats.org/officeDocument/2006/relationships" xmlns:p="http://schemas.openxmlformats.org/presentationml/2006/main">
   <p:cSld>
     <p:spTree>
@@ -17752,6 +17188,93 @@
 </p:sld>
 </file>
 
+<file path=ppt/slides/slide14.xml><?xml version="1.0" encoding="utf-8"?>
+<p:sld xmlns:a="http://schemas.openxmlformats.org/drawingml/2006/main" xmlns:r="http://schemas.openxmlformats.org/officeDocument/2006/relationships" xmlns:p="http://schemas.openxmlformats.org/presentationml/2006/main" show="0">
+  <p:cSld>
+    <p:spTree>
+      <p:nvGrpSpPr>
+        <p:cNvPr id="1" name=""/>
+        <p:cNvGrpSpPr/>
+        <p:nvPr/>
+      </p:nvGrpSpPr>
+      <p:grpSpPr>
+        <a:xfrm>
+          <a:off x="0" y="0"/>
+          <a:ext cx="0" cy="0"/>
+          <a:chOff x="0" y="0"/>
+          <a:chExt cx="0" cy="0"/>
+        </a:xfrm>
+      </p:grpSpPr>
+      <p:sp>
+        <p:nvSpPr>
+          <p:cNvPr id="2" name="Titel 1"/>
+          <p:cNvSpPr>
+            <a:spLocks noGrp="1"/>
+          </p:cNvSpPr>
+          <p:nvPr>
+            <p:ph type="title"/>
+          </p:nvPr>
+        </p:nvSpPr>
+        <p:spPr/>
+        <p:txBody>
+          <a:bodyPr/>
+          <a:lstStyle/>
+          <a:p>
+            <a:r>
+              <a:rPr lang="nl-NL" dirty="0"/>
+              <a:t>Triggers</a:t>
+            </a:r>
+          </a:p>
+        </p:txBody>
+      </p:sp>
+      <p:sp>
+        <p:nvSpPr>
+          <p:cNvPr id="3" name="Tijdelijke aanduiding voor inhoud 2"/>
+          <p:cNvSpPr>
+            <a:spLocks noGrp="1"/>
+          </p:cNvSpPr>
+          <p:nvPr>
+            <p:ph idx="1"/>
+          </p:nvPr>
+        </p:nvSpPr>
+        <p:spPr/>
+        <p:txBody>
+          <a:bodyPr/>
+          <a:lstStyle/>
+          <a:p>
+            <a:r>
+              <a:rPr lang="nl-NL" dirty="0"/>
+              <a:t>Read Data</a:t>
+            </a:r>
+          </a:p>
+          <a:p>
+            <a:r>
+              <a:rPr lang="nl-NL" dirty="0"/>
+              <a:t>Update Variables</a:t>
+            </a:r>
+          </a:p>
+          <a:p>
+            <a:r>
+              <a:rPr lang="nl-NL" dirty="0" err="1"/>
+              <a:t>Formatting</a:t>
+            </a:r>
+            <a:endParaRPr lang="nl-NL" dirty="0"/>
+          </a:p>
+        </p:txBody>
+      </p:sp>
+    </p:spTree>
+    <p:extLst>
+      <p:ext uri="{BB962C8B-B14F-4D97-AF65-F5344CB8AC3E}">
+        <p14:creationId xmlns:p14="http://schemas.microsoft.com/office/powerpoint/2010/main" val="96641835"/>
+      </p:ext>
+    </p:extLst>
+  </p:cSld>
+  <p:clrMapOvr>
+    <a:masterClrMapping/>
+  </p:clrMapOvr>
+</p:sld>
+</file>
+
 <file path=ppt/slides/slide15.xml><?xml version="1.0" encoding="utf-8"?>
 <p:sld xmlns:a="http://schemas.openxmlformats.org/drawingml/2006/main" xmlns:r="http://schemas.openxmlformats.org/officeDocument/2006/relationships" xmlns:p="http://schemas.openxmlformats.org/presentationml/2006/main" show="0">
   <p:cSld>
@@ -17785,9 +17308,10 @@
           <a:lstStyle/>
           <a:p>
             <a:r>
-              <a:rPr lang="nl-NL" dirty="0"/>
-              <a:t>Triggers</a:t>
-            </a:r>
+              <a:rPr lang="nl-NL" dirty="0" err="1"/>
+              <a:t>ShowOutput</a:t>
+            </a:r>
+            <a:endParaRPr lang="nl-NL" dirty="0"/>
           </a:p>
         </p:txBody>
       </p:sp>
@@ -17807,20 +17331,16 @@
           <a:lstStyle/>
           <a:p>
             <a:r>
+              <a:rPr lang="nl-NL" dirty="0" err="1"/>
+              <a:t>Boolean</a:t>
+            </a:r>
+            <a:r>
               <a:rPr lang="nl-NL" dirty="0"/>
-              <a:t>Read Data</a:t>
-            </a:r>
-          </a:p>
-          <a:p>
-            <a:r>
-              <a:rPr lang="nl-NL" dirty="0"/>
-              <a:t>Update Variables</a:t>
-            </a:r>
-          </a:p>
-          <a:p>
+              <a:t> </a:t>
+            </a:r>
             <a:r>
               <a:rPr lang="nl-NL" dirty="0" err="1"/>
-              <a:t>Formatting</a:t>
+              <a:t>Expression</a:t>
             </a:r>
             <a:endParaRPr lang="nl-NL" dirty="0"/>
           </a:p>
@@ -17829,7 +17349,7 @@
     </p:spTree>
     <p:extLst>
       <p:ext uri="{BB962C8B-B14F-4D97-AF65-F5344CB8AC3E}">
-        <p14:creationId xmlns:p14="http://schemas.microsoft.com/office/powerpoint/2010/main" val="96641835"/>
+        <p14:creationId xmlns:p14="http://schemas.microsoft.com/office/powerpoint/2010/main" val="873568630"/>
       </p:ext>
     </p:extLst>
   </p:cSld>
@@ -17872,8 +17392,12 @@
           <a:lstStyle/>
           <a:p>
             <a:r>
+              <a:rPr lang="nl-NL" dirty="0"/>
+              <a:t>Source </a:t>
+            </a:r>
+            <a:r>
               <a:rPr lang="nl-NL" dirty="0" err="1"/>
-              <a:t>ShowOutput</a:t>
+              <a:t>Expression</a:t>
             </a:r>
             <a:endParaRPr lang="nl-NL" dirty="0"/>
           </a:p>
@@ -17895,94 +17419,6 @@
           <a:lstStyle/>
           <a:p>
             <a:r>
-              <a:rPr lang="nl-NL" dirty="0" err="1"/>
-              <a:t>Boolean</a:t>
-            </a:r>
-            <a:r>
-              <a:rPr lang="nl-NL" dirty="0"/>
-              <a:t> </a:t>
-            </a:r>
-            <a:r>
-              <a:rPr lang="nl-NL" dirty="0" err="1"/>
-              <a:t>Expression</a:t>
-            </a:r>
-            <a:endParaRPr lang="nl-NL" dirty="0"/>
-          </a:p>
-        </p:txBody>
-      </p:sp>
-    </p:spTree>
-    <p:extLst>
-      <p:ext uri="{BB962C8B-B14F-4D97-AF65-F5344CB8AC3E}">
-        <p14:creationId xmlns:p14="http://schemas.microsoft.com/office/powerpoint/2010/main" val="873568630"/>
-      </p:ext>
-    </p:extLst>
-  </p:cSld>
-  <p:clrMapOvr>
-    <a:masterClrMapping/>
-  </p:clrMapOvr>
-</p:sld>
-</file>
-
-<file path=ppt/slides/slide17.xml><?xml version="1.0" encoding="utf-8"?>
-<p:sld xmlns:a="http://schemas.openxmlformats.org/drawingml/2006/main" xmlns:r="http://schemas.openxmlformats.org/officeDocument/2006/relationships" xmlns:p="http://schemas.openxmlformats.org/presentationml/2006/main" show="0">
-  <p:cSld>
-    <p:spTree>
-      <p:nvGrpSpPr>
-        <p:cNvPr id="1" name=""/>
-        <p:cNvGrpSpPr/>
-        <p:nvPr/>
-      </p:nvGrpSpPr>
-      <p:grpSpPr>
-        <a:xfrm>
-          <a:off x="0" y="0"/>
-          <a:ext cx="0" cy="0"/>
-          <a:chOff x="0" y="0"/>
-          <a:chExt cx="0" cy="0"/>
-        </a:xfrm>
-      </p:grpSpPr>
-      <p:sp>
-        <p:nvSpPr>
-          <p:cNvPr id="2" name="Titel 1"/>
-          <p:cNvSpPr>
-            <a:spLocks noGrp="1"/>
-          </p:cNvSpPr>
-          <p:nvPr>
-            <p:ph type="title"/>
-          </p:nvPr>
-        </p:nvSpPr>
-        <p:spPr/>
-        <p:txBody>
-          <a:bodyPr/>
-          <a:lstStyle/>
-          <a:p>
-            <a:r>
-              <a:rPr lang="nl-NL" dirty="0"/>
-              <a:t>Source </a:t>
-            </a:r>
-            <a:r>
-              <a:rPr lang="nl-NL" dirty="0" err="1"/>
-              <a:t>Expression</a:t>
-            </a:r>
-            <a:endParaRPr lang="nl-NL" dirty="0"/>
-          </a:p>
-        </p:txBody>
-      </p:sp>
-      <p:sp>
-        <p:nvSpPr>
-          <p:cNvPr id="3" name="Tijdelijke aanduiding voor inhoud 2"/>
-          <p:cNvSpPr>
-            <a:spLocks noGrp="1"/>
-          </p:cNvSpPr>
-          <p:nvPr>
-            <p:ph idx="1"/>
-          </p:nvPr>
-        </p:nvSpPr>
-        <p:spPr/>
-        <p:txBody>
-          <a:bodyPr/>
-          <a:lstStyle/>
-          <a:p>
-            <a:r>
               <a:rPr lang="nl-NL" dirty="0"/>
               <a:t>Strings</a:t>
             </a:r>
@@ -18002,7 +17438,7 @@
 </p:sld>
 </file>
 
-<file path=ppt/slides/slide18.xml><?xml version="1.0" encoding="utf-8"?>
+<file path=ppt/slides/slide17.xml><?xml version="1.0" encoding="utf-8"?>
 <p:sld xmlns:a="http://schemas.openxmlformats.org/drawingml/2006/main" xmlns:r="http://schemas.openxmlformats.org/officeDocument/2006/relationships" xmlns:p="http://schemas.openxmlformats.org/presentationml/2006/main">
   <p:cSld>
     <p:spTree>
@@ -19297,7 +18733,7 @@
 </p:sld>
 </file>
 
-<file path=ppt/slides/slide19.xml><?xml version="1.0" encoding="utf-8"?>
+<file path=ppt/slides/slide18.xml><?xml version="1.0" encoding="utf-8"?>
 <p:sld xmlns:a="http://schemas.openxmlformats.org/drawingml/2006/main" xmlns:r="http://schemas.openxmlformats.org/officeDocument/2006/relationships" xmlns:p="http://schemas.openxmlformats.org/presentationml/2006/main">
   <p:cSld>
     <p:spTree>
@@ -19760,87 +19196,7 @@
 </p:sld>
 </file>
 
-<file path=ppt/slides/slide2.xml><?xml version="1.0" encoding="utf-8"?>
-<p:sld xmlns:a="http://schemas.openxmlformats.org/drawingml/2006/main" xmlns:r="http://schemas.openxmlformats.org/officeDocument/2006/relationships" xmlns:p="http://schemas.openxmlformats.org/presentationml/2006/main">
-  <p:cSld>
-    <p:spTree>
-      <p:nvGrpSpPr>
-        <p:cNvPr id="1" name=""/>
-        <p:cNvGrpSpPr/>
-        <p:nvPr/>
-      </p:nvGrpSpPr>
-      <p:grpSpPr>
-        <a:xfrm>
-          <a:off x="0" y="0"/>
-          <a:ext cx="0" cy="0"/>
-          <a:chOff x="0" y="0"/>
-          <a:chExt cx="0" cy="0"/>
-        </a:xfrm>
-      </p:grpSpPr>
-      <p:sp>
-        <p:nvSpPr>
-          <p:cNvPr id="2" name="Titel 1">
-            <a:extLst>
-              <a:ext uri="{FF2B5EF4-FFF2-40B4-BE49-F238E27FC236}">
-                <a16:creationId xmlns:a16="http://schemas.microsoft.com/office/drawing/2014/main" id="{5A7F4599-C5A4-4F9A-8B93-669810D8FBC2}"/>
-              </a:ext>
-            </a:extLst>
-          </p:cNvPr>
-          <p:cNvSpPr>
-            <a:spLocks noGrp="1"/>
-          </p:cNvSpPr>
-          <p:nvPr>
-            <p:ph type="title"/>
-          </p:nvPr>
-        </p:nvSpPr>
-        <p:spPr/>
-        <p:txBody>
-          <a:bodyPr/>
-          <a:lstStyle/>
-          <a:p>
-            <a:r>
-              <a:rPr lang="en-US" dirty="0"/>
-              <a:t>Preparation</a:t>
-            </a:r>
-          </a:p>
-        </p:txBody>
-      </p:sp>
-      <p:graphicFrame>
-        <p:nvGraphicFramePr>
-          <p:cNvPr id="6" name="Diagram 5">
-            <a:extLst>
-              <a:ext uri="{FF2B5EF4-FFF2-40B4-BE49-F238E27FC236}">
-                <a16:creationId xmlns:a16="http://schemas.microsoft.com/office/drawing/2014/main" id="{2DC1BD5F-F921-4B36-8EAA-2B6B9CFD072F}"/>
-              </a:ext>
-            </a:extLst>
-          </p:cNvPr>
-          <p:cNvGraphicFramePr/>
-          <p:nvPr/>
-        </p:nvGraphicFramePr>
-        <p:xfrm>
-          <a:off x="838200" y="1932495"/>
-          <a:ext cx="8777140" cy="4196411"/>
-        </p:xfrm>
-        <a:graphic>
-          <a:graphicData uri="http://schemas.openxmlformats.org/drawingml/2006/diagram">
-            <dgm:relIds xmlns:dgm="http://schemas.openxmlformats.org/drawingml/2006/diagram" xmlns:r="http://schemas.openxmlformats.org/officeDocument/2006/relationships" r:dm="rId2" r:lo="rId3" r:qs="rId4" r:cs="rId5"/>
-          </a:graphicData>
-        </a:graphic>
-      </p:graphicFrame>
-    </p:spTree>
-    <p:extLst>
-      <p:ext uri="{BB962C8B-B14F-4D97-AF65-F5344CB8AC3E}">
-        <p14:creationId xmlns:p14="http://schemas.microsoft.com/office/powerpoint/2010/main" val="2921387556"/>
-      </p:ext>
-    </p:extLst>
-  </p:cSld>
-  <p:clrMapOvr>
-    <a:masterClrMapping/>
-  </p:clrMapOvr>
-</p:sld>
-</file>
-
-<file path=ppt/slides/slide20.xml><?xml version="1.0" encoding="utf-8"?>
+<file path=ppt/slides/slide19.xml><?xml version="1.0" encoding="utf-8"?>
 <p:sld xmlns:a="http://schemas.openxmlformats.org/drawingml/2006/main" xmlns:r="http://schemas.openxmlformats.org/officeDocument/2006/relationships" xmlns:p="http://schemas.openxmlformats.org/presentationml/2006/main">
   <p:cSld>
     <p:spTree>
@@ -20130,7 +19486,264 @@
 </p:sld>
 </file>
 
-<file path=ppt/slides/slide21.xml><?xml version="1.0" encoding="utf-8"?>
+<file path=ppt/slides/slide2.xml><?xml version="1.0" encoding="utf-8"?>
+<p:sld xmlns:a="http://schemas.openxmlformats.org/drawingml/2006/main" xmlns:r="http://schemas.openxmlformats.org/officeDocument/2006/relationships" xmlns:p="http://schemas.openxmlformats.org/presentationml/2006/main">
+  <p:cSld>
+    <p:spTree>
+      <p:nvGrpSpPr>
+        <p:cNvPr id="1" name=""/>
+        <p:cNvGrpSpPr/>
+        <p:nvPr/>
+      </p:nvGrpSpPr>
+      <p:grpSpPr>
+        <a:xfrm>
+          <a:off x="0" y="0"/>
+          <a:ext cx="0" cy="0"/>
+          <a:chOff x="0" y="0"/>
+          <a:chExt cx="0" cy="0"/>
+        </a:xfrm>
+      </p:grpSpPr>
+      <p:sp>
+        <p:nvSpPr>
+          <p:cNvPr id="2" name="Tekstvak 1"/>
+          <p:cNvSpPr txBox="1"/>
+          <p:nvPr/>
+        </p:nvSpPr>
+        <p:spPr>
+          <a:xfrm>
+            <a:off x="2535812" y="1715679"/>
+            <a:ext cx="6821098" cy="830997"/>
+          </a:xfrm>
+          <a:prstGeom prst="rect">
+            <a:avLst/>
+          </a:prstGeom>
+          <a:noFill/>
+        </p:spPr>
+        <p:txBody>
+          <a:bodyPr wrap="none" rtlCol="0">
+            <a:spAutoFit/>
+          </a:bodyPr>
+          <a:lstStyle/>
+          <a:p>
+            <a:r>
+              <a:rPr lang="nl-NL" sz="4800" dirty="0">
+                <a:latin typeface="Courier New" panose="02070309020205020404" pitchFamily="49" charset="0"/>
+                <a:cs typeface="Courier New" panose="02070309020205020404" pitchFamily="49" charset="0"/>
+              </a:rPr>
+              <a:t>C/AL != </a:t>
+            </a:r>
+            <a:r>
+              <a:rPr lang="nl-NL" sz="4800" dirty="0" err="1">
+                <a:latin typeface="Courier New" panose="02070309020205020404" pitchFamily="49" charset="0"/>
+                <a:cs typeface="Courier New" panose="02070309020205020404" pitchFamily="49" charset="0"/>
+              </a:rPr>
+              <a:t>JavaScript</a:t>
+            </a:r>
+            <a:endParaRPr lang="nl-NL" sz="4800" dirty="0">
+              <a:latin typeface="Courier New" panose="02070309020205020404" pitchFamily="49" charset="0"/>
+              <a:cs typeface="Courier New" panose="02070309020205020404" pitchFamily="49" charset="0"/>
+            </a:endParaRPr>
+          </a:p>
+        </p:txBody>
+      </p:sp>
+      <p:pic>
+        <p:nvPicPr>
+          <p:cNvPr id="4" name="Afbeelding 3"/>
+          <p:cNvPicPr>
+            <a:picLocks noChangeAspect="1"/>
+          </p:cNvPicPr>
+          <p:nvPr/>
+        </p:nvPicPr>
+        <p:blipFill>
+          <a:blip r:embed="rId3">
+            <a:extLst>
+              <a:ext uri="{28A0092B-C50C-407E-A947-70E740481C1C}">
+                <a14:useLocalDpi xmlns:a14="http://schemas.microsoft.com/office/drawing/2010/main" val="0"/>
+              </a:ext>
+            </a:extLst>
+          </a:blip>
+          <a:stretch>
+            <a:fillRect/>
+          </a:stretch>
+        </p:blipFill>
+        <p:spPr>
+          <a:xfrm>
+            <a:off x="6134897" y="3085445"/>
+            <a:ext cx="2488889" cy="2869841"/>
+          </a:xfrm>
+          <a:prstGeom prst="rect">
+            <a:avLst/>
+          </a:prstGeom>
+        </p:spPr>
+      </p:pic>
+      <p:pic>
+        <p:nvPicPr>
+          <p:cNvPr id="7" name="Afbeelding 6"/>
+          <p:cNvPicPr>
+            <a:picLocks noChangeAspect="1"/>
+          </p:cNvPicPr>
+          <p:nvPr/>
+        </p:nvPicPr>
+        <p:blipFill>
+          <a:blip r:embed="rId4">
+            <a:extLst>
+              <a:ext uri="{28A0092B-C50C-407E-A947-70E740481C1C}">
+                <a14:useLocalDpi xmlns:a14="http://schemas.microsoft.com/office/drawing/2010/main" val="0"/>
+              </a:ext>
+            </a:extLst>
+          </a:blip>
+          <a:stretch>
+            <a:fillRect/>
+          </a:stretch>
+        </p:blipFill>
+        <p:spPr>
+          <a:xfrm>
+            <a:off x="2093929" y="3453565"/>
+            <a:ext cx="2819400" cy="2133600"/>
+          </a:xfrm>
+          <a:prstGeom prst="rect">
+            <a:avLst/>
+          </a:prstGeom>
+        </p:spPr>
+      </p:pic>
+      <p:sp>
+        <p:nvSpPr>
+          <p:cNvPr id="8" name="Ovaal 7"/>
+          <p:cNvSpPr/>
+          <p:nvPr/>
+        </p:nvSpPr>
+        <p:spPr>
+          <a:xfrm>
+            <a:off x="4034672" y="1517715"/>
+            <a:ext cx="1706252" cy="1282046"/>
+          </a:xfrm>
+          <a:prstGeom prst="ellipse">
+            <a:avLst/>
+          </a:prstGeom>
+          <a:noFill/>
+          <a:ln w="76200">
+            <a:solidFill>
+              <a:srgbClr val="E64215"/>
+            </a:solidFill>
+          </a:ln>
+        </p:spPr>
+        <p:style>
+          <a:lnRef idx="2">
+            <a:schemeClr val="accent1">
+              <a:shade val="50000"/>
+            </a:schemeClr>
+          </a:lnRef>
+          <a:fillRef idx="1">
+            <a:schemeClr val="accent1"/>
+          </a:fillRef>
+          <a:effectRef idx="0">
+            <a:schemeClr val="accent1"/>
+          </a:effectRef>
+          <a:fontRef idx="minor">
+            <a:schemeClr val="lt1"/>
+          </a:fontRef>
+        </p:style>
+        <p:txBody>
+          <a:bodyPr rtlCol="0" anchor="ctr"/>
+          <a:lstStyle/>
+          <a:p>
+            <a:pPr algn="ctr"/>
+            <a:endParaRPr lang="nl-NL"/>
+          </a:p>
+        </p:txBody>
+      </p:sp>
+    </p:spTree>
+    <p:extLst>
+      <p:ext uri="{BB962C8B-B14F-4D97-AF65-F5344CB8AC3E}">
+        <p14:creationId xmlns:p14="http://schemas.microsoft.com/office/powerpoint/2010/main" val="454885209"/>
+      </p:ext>
+    </p:extLst>
+  </p:cSld>
+  <p:clrMapOvr>
+    <a:masterClrMapping/>
+  </p:clrMapOvr>
+  <p:timing>
+    <p:tnLst>
+      <p:par>
+        <p:cTn id="1" dur="indefinite" restart="never" nodeType="tmRoot">
+          <p:childTnLst>
+            <p:seq concurrent="1" nextAc="seek">
+              <p:cTn id="2" dur="indefinite" nodeType="mainSeq">
+                <p:childTnLst>
+                  <p:par>
+                    <p:cTn id="3" fill="hold">
+                      <p:stCondLst>
+                        <p:cond delay="indefinite"/>
+                      </p:stCondLst>
+                      <p:childTnLst>
+                        <p:par>
+                          <p:cTn id="4" fill="hold">
+                            <p:stCondLst>
+                              <p:cond delay="0"/>
+                            </p:stCondLst>
+                            <p:childTnLst>
+                              <p:par>
+                                <p:cTn id="5" presetID="1" presetClass="entr" presetSubtype="0" fill="hold" grpId="0" nodeType="clickEffect">
+                                  <p:stCondLst>
+                                    <p:cond delay="0"/>
+                                  </p:stCondLst>
+                                  <p:childTnLst>
+                                    <p:set>
+                                      <p:cBhvr>
+                                        <p:cTn id="6" dur="1" fill="hold">
+                                          <p:stCondLst>
+                                            <p:cond delay="0"/>
+                                          </p:stCondLst>
+                                        </p:cTn>
+                                        <p:tgtEl>
+                                          <p:spTgt spid="8"/>
+                                        </p:tgtEl>
+                                        <p:attrNameLst>
+                                          <p:attrName>style.visibility</p:attrName>
+                                        </p:attrNameLst>
+                                      </p:cBhvr>
+                                      <p:to>
+                                        <p:strVal val="visible"/>
+                                      </p:to>
+                                    </p:set>
+                                  </p:childTnLst>
+                                </p:cTn>
+                              </p:par>
+                            </p:childTnLst>
+                          </p:cTn>
+                        </p:par>
+                      </p:childTnLst>
+                    </p:cTn>
+                  </p:par>
+                </p:childTnLst>
+              </p:cTn>
+              <p:prevCondLst>
+                <p:cond evt="onPrev" delay="0">
+                  <p:tgtEl>
+                    <p:sldTgt/>
+                  </p:tgtEl>
+                </p:cond>
+              </p:prevCondLst>
+              <p:nextCondLst>
+                <p:cond evt="onNext" delay="0">
+                  <p:tgtEl>
+                    <p:sldTgt/>
+                  </p:tgtEl>
+                </p:cond>
+              </p:nextCondLst>
+            </p:seq>
+          </p:childTnLst>
+        </p:cTn>
+      </p:par>
+    </p:tnLst>
+    <p:bldLst>
+      <p:bldP spid="8" grpId="0" animBg="1"/>
+    </p:bldLst>
+  </p:timing>
+</p:sld>
+</file>
+
+<file path=ppt/slides/slide20.xml><?xml version="1.0" encoding="utf-8"?>
 <p:sld xmlns:a="http://schemas.openxmlformats.org/drawingml/2006/main" xmlns:r="http://schemas.openxmlformats.org/officeDocument/2006/relationships" xmlns:p="http://schemas.openxmlformats.org/presentationml/2006/main">
   <p:cSld>
     <p:spTree>
@@ -20827,7 +20440,7 @@
 </p:sld>
 </file>
 
-<file path=ppt/slides/slide22.xml><?xml version="1.0" encoding="utf-8"?>
+<file path=ppt/slides/slide21.xml><?xml version="1.0" encoding="utf-8"?>
 <p:sld xmlns:a="http://schemas.openxmlformats.org/drawingml/2006/main" xmlns:r="http://schemas.openxmlformats.org/officeDocument/2006/relationships" xmlns:p="http://schemas.openxmlformats.org/presentationml/2006/main">
   <p:cSld>
     <p:spTree>
@@ -24358,7 +23971,7 @@
 </p:sld>
 </file>
 
-<file path=ppt/slides/slide23.xml><?xml version="1.0" encoding="utf-8"?>
+<file path=ppt/slides/slide22.xml><?xml version="1.0" encoding="utf-8"?>
 <p:sld xmlns:a="http://schemas.openxmlformats.org/drawingml/2006/main" xmlns:r="http://schemas.openxmlformats.org/officeDocument/2006/relationships" xmlns:p="http://schemas.openxmlformats.org/presentationml/2006/main">
   <p:cSld>
     <p:spTree>
@@ -24550,263 +24163,6 @@
           <a:chExt cx="0" cy="0"/>
         </a:xfrm>
       </p:grpSpPr>
-      <p:sp>
-        <p:nvSpPr>
-          <p:cNvPr id="2" name="Tekstvak 1"/>
-          <p:cNvSpPr txBox="1"/>
-          <p:nvPr/>
-        </p:nvSpPr>
-        <p:spPr>
-          <a:xfrm>
-            <a:off x="2535812" y="1715679"/>
-            <a:ext cx="6821098" cy="830997"/>
-          </a:xfrm>
-          <a:prstGeom prst="rect">
-            <a:avLst/>
-          </a:prstGeom>
-          <a:noFill/>
-        </p:spPr>
-        <p:txBody>
-          <a:bodyPr wrap="none" rtlCol="0">
-            <a:spAutoFit/>
-          </a:bodyPr>
-          <a:lstStyle/>
-          <a:p>
-            <a:r>
-              <a:rPr lang="nl-NL" sz="4800" dirty="0">
-                <a:latin typeface="Courier New" panose="02070309020205020404" pitchFamily="49" charset="0"/>
-                <a:cs typeface="Courier New" panose="02070309020205020404" pitchFamily="49" charset="0"/>
-              </a:rPr>
-              <a:t>C/AL != </a:t>
-            </a:r>
-            <a:r>
-              <a:rPr lang="nl-NL" sz="4800" dirty="0" err="1">
-                <a:latin typeface="Courier New" panose="02070309020205020404" pitchFamily="49" charset="0"/>
-                <a:cs typeface="Courier New" panose="02070309020205020404" pitchFamily="49" charset="0"/>
-              </a:rPr>
-              <a:t>JavaScript</a:t>
-            </a:r>
-            <a:endParaRPr lang="nl-NL" sz="4800" dirty="0">
-              <a:latin typeface="Courier New" panose="02070309020205020404" pitchFamily="49" charset="0"/>
-              <a:cs typeface="Courier New" panose="02070309020205020404" pitchFamily="49" charset="0"/>
-            </a:endParaRPr>
-          </a:p>
-        </p:txBody>
-      </p:sp>
-      <p:pic>
-        <p:nvPicPr>
-          <p:cNvPr id="4" name="Afbeelding 3"/>
-          <p:cNvPicPr>
-            <a:picLocks noChangeAspect="1"/>
-          </p:cNvPicPr>
-          <p:nvPr/>
-        </p:nvPicPr>
-        <p:blipFill>
-          <a:blip r:embed="rId3">
-            <a:extLst>
-              <a:ext uri="{28A0092B-C50C-407E-A947-70E740481C1C}">
-                <a14:useLocalDpi xmlns:a14="http://schemas.microsoft.com/office/drawing/2010/main" val="0"/>
-              </a:ext>
-            </a:extLst>
-          </a:blip>
-          <a:stretch>
-            <a:fillRect/>
-          </a:stretch>
-        </p:blipFill>
-        <p:spPr>
-          <a:xfrm>
-            <a:off x="6134897" y="3085445"/>
-            <a:ext cx="2488889" cy="2869841"/>
-          </a:xfrm>
-          <a:prstGeom prst="rect">
-            <a:avLst/>
-          </a:prstGeom>
-        </p:spPr>
-      </p:pic>
-      <p:pic>
-        <p:nvPicPr>
-          <p:cNvPr id="7" name="Afbeelding 6"/>
-          <p:cNvPicPr>
-            <a:picLocks noChangeAspect="1"/>
-          </p:cNvPicPr>
-          <p:nvPr/>
-        </p:nvPicPr>
-        <p:blipFill>
-          <a:blip r:embed="rId4">
-            <a:extLst>
-              <a:ext uri="{28A0092B-C50C-407E-A947-70E740481C1C}">
-                <a14:useLocalDpi xmlns:a14="http://schemas.microsoft.com/office/drawing/2010/main" val="0"/>
-              </a:ext>
-            </a:extLst>
-          </a:blip>
-          <a:stretch>
-            <a:fillRect/>
-          </a:stretch>
-        </p:blipFill>
-        <p:spPr>
-          <a:xfrm>
-            <a:off x="2093929" y="3453565"/>
-            <a:ext cx="2819400" cy="2133600"/>
-          </a:xfrm>
-          <a:prstGeom prst="rect">
-            <a:avLst/>
-          </a:prstGeom>
-        </p:spPr>
-      </p:pic>
-      <p:sp>
-        <p:nvSpPr>
-          <p:cNvPr id="8" name="Ovaal 7"/>
-          <p:cNvSpPr/>
-          <p:nvPr/>
-        </p:nvSpPr>
-        <p:spPr>
-          <a:xfrm>
-            <a:off x="4034672" y="1517715"/>
-            <a:ext cx="1706252" cy="1282046"/>
-          </a:xfrm>
-          <a:prstGeom prst="ellipse">
-            <a:avLst/>
-          </a:prstGeom>
-          <a:noFill/>
-          <a:ln w="76200">
-            <a:solidFill>
-              <a:srgbClr val="E64215"/>
-            </a:solidFill>
-          </a:ln>
-        </p:spPr>
-        <p:style>
-          <a:lnRef idx="2">
-            <a:schemeClr val="accent1">
-              <a:shade val="50000"/>
-            </a:schemeClr>
-          </a:lnRef>
-          <a:fillRef idx="1">
-            <a:schemeClr val="accent1"/>
-          </a:fillRef>
-          <a:effectRef idx="0">
-            <a:schemeClr val="accent1"/>
-          </a:effectRef>
-          <a:fontRef idx="minor">
-            <a:schemeClr val="lt1"/>
-          </a:fontRef>
-        </p:style>
-        <p:txBody>
-          <a:bodyPr rtlCol="0" anchor="ctr"/>
-          <a:lstStyle/>
-          <a:p>
-            <a:pPr algn="ctr"/>
-            <a:endParaRPr lang="nl-NL"/>
-          </a:p>
-        </p:txBody>
-      </p:sp>
-    </p:spTree>
-    <p:extLst>
-      <p:ext uri="{BB962C8B-B14F-4D97-AF65-F5344CB8AC3E}">
-        <p14:creationId xmlns:p14="http://schemas.microsoft.com/office/powerpoint/2010/main" val="454885209"/>
-      </p:ext>
-    </p:extLst>
-  </p:cSld>
-  <p:clrMapOvr>
-    <a:masterClrMapping/>
-  </p:clrMapOvr>
-  <p:timing>
-    <p:tnLst>
-      <p:par>
-        <p:cTn id="1" dur="indefinite" restart="never" nodeType="tmRoot">
-          <p:childTnLst>
-            <p:seq concurrent="1" nextAc="seek">
-              <p:cTn id="2" dur="indefinite" nodeType="mainSeq">
-                <p:childTnLst>
-                  <p:par>
-                    <p:cTn id="3" fill="hold">
-                      <p:stCondLst>
-                        <p:cond delay="indefinite"/>
-                      </p:stCondLst>
-                      <p:childTnLst>
-                        <p:par>
-                          <p:cTn id="4" fill="hold">
-                            <p:stCondLst>
-                              <p:cond delay="0"/>
-                            </p:stCondLst>
-                            <p:childTnLst>
-                              <p:par>
-                                <p:cTn id="5" presetID="1" presetClass="entr" presetSubtype="0" fill="hold" grpId="0" nodeType="clickEffect">
-                                  <p:stCondLst>
-                                    <p:cond delay="0"/>
-                                  </p:stCondLst>
-                                  <p:childTnLst>
-                                    <p:set>
-                                      <p:cBhvr>
-                                        <p:cTn id="6" dur="1" fill="hold">
-                                          <p:stCondLst>
-                                            <p:cond delay="0"/>
-                                          </p:stCondLst>
-                                        </p:cTn>
-                                        <p:tgtEl>
-                                          <p:spTgt spid="8"/>
-                                        </p:tgtEl>
-                                        <p:attrNameLst>
-                                          <p:attrName>style.visibility</p:attrName>
-                                        </p:attrNameLst>
-                                      </p:cBhvr>
-                                      <p:to>
-                                        <p:strVal val="visible"/>
-                                      </p:to>
-                                    </p:set>
-                                  </p:childTnLst>
-                                </p:cTn>
-                              </p:par>
-                            </p:childTnLst>
-                          </p:cTn>
-                        </p:par>
-                      </p:childTnLst>
-                    </p:cTn>
-                  </p:par>
-                </p:childTnLst>
-              </p:cTn>
-              <p:prevCondLst>
-                <p:cond evt="onPrev" delay="0">
-                  <p:tgtEl>
-                    <p:sldTgt/>
-                  </p:tgtEl>
-                </p:cond>
-              </p:prevCondLst>
-              <p:nextCondLst>
-                <p:cond evt="onNext" delay="0">
-                  <p:tgtEl>
-                    <p:sldTgt/>
-                  </p:tgtEl>
-                </p:cond>
-              </p:nextCondLst>
-            </p:seq>
-          </p:childTnLst>
-        </p:cTn>
-      </p:par>
-    </p:tnLst>
-    <p:bldLst>
-      <p:bldP spid="8" grpId="0" animBg="1"/>
-    </p:bldLst>
-  </p:timing>
-</p:sld>
-</file>
-
-<file path=ppt/slides/slide4.xml><?xml version="1.0" encoding="utf-8"?>
-<p:sld xmlns:a="http://schemas.openxmlformats.org/drawingml/2006/main" xmlns:r="http://schemas.openxmlformats.org/officeDocument/2006/relationships" xmlns:p="http://schemas.openxmlformats.org/presentationml/2006/main">
-  <p:cSld>
-    <p:spTree>
-      <p:nvGrpSpPr>
-        <p:cNvPr id="1" name=""/>
-        <p:cNvGrpSpPr/>
-        <p:nvPr/>
-      </p:nvGrpSpPr>
-      <p:grpSpPr>
-        <a:xfrm>
-          <a:off x="0" y="0"/>
-          <a:ext cx="0" cy="0"/>
-          <a:chOff x="0" y="0"/>
-          <a:chExt cx="0" cy="0"/>
-        </a:xfrm>
-      </p:grpSpPr>
       <p:pic>
         <p:nvPicPr>
           <p:cNvPr id="6146" name="Picture 2" descr="github-logo"/>
@@ -25019,6 +24375,113 @@
 </p:sld>
 </file>
 
+<file path=ppt/slides/slide4.xml><?xml version="1.0" encoding="utf-8"?>
+<p:sld xmlns:a="http://schemas.openxmlformats.org/drawingml/2006/main" xmlns:r="http://schemas.openxmlformats.org/officeDocument/2006/relationships" xmlns:p="http://schemas.openxmlformats.org/presentationml/2006/main">
+  <p:cSld>
+    <p:spTree>
+      <p:nvGrpSpPr>
+        <p:cNvPr id="1" name=""/>
+        <p:cNvGrpSpPr/>
+        <p:nvPr/>
+      </p:nvGrpSpPr>
+      <p:grpSpPr>
+        <a:xfrm>
+          <a:off x="0" y="0"/>
+          <a:ext cx="0" cy="0"/>
+          <a:chOff x="0" y="0"/>
+          <a:chExt cx="0" cy="0"/>
+        </a:xfrm>
+      </p:grpSpPr>
+      <p:sp>
+        <p:nvSpPr>
+          <p:cNvPr id="2" name="Titel 1"/>
+          <p:cNvSpPr>
+            <a:spLocks noGrp="1"/>
+          </p:cNvSpPr>
+          <p:nvPr>
+            <p:ph type="title"/>
+          </p:nvPr>
+        </p:nvSpPr>
+        <p:spPr/>
+        <p:txBody>
+          <a:bodyPr/>
+          <a:lstStyle/>
+          <a:p>
+            <a:r>
+              <a:rPr lang="nl-NL" dirty="0"/>
+              <a:t>Fundamentals</a:t>
+            </a:r>
+          </a:p>
+        </p:txBody>
+      </p:sp>
+      <p:sp>
+        <p:nvSpPr>
+          <p:cNvPr id="3" name="Tijdelijke aanduiding voor inhoud 2"/>
+          <p:cNvSpPr>
+            <a:spLocks noGrp="1"/>
+          </p:cNvSpPr>
+          <p:nvPr>
+            <p:ph idx="1"/>
+          </p:nvPr>
+        </p:nvSpPr>
+        <p:spPr/>
+        <p:txBody>
+          <a:bodyPr/>
+          <a:lstStyle/>
+          <a:p>
+            <a:r>
+              <a:rPr lang="en-US" dirty="0"/>
+              <a:t>Case Sensitive</a:t>
+            </a:r>
+          </a:p>
+          <a:p>
+            <a:r>
+              <a:rPr lang="en-US" dirty="0"/>
+              <a:t>Requires Parentheses</a:t>
+            </a:r>
+          </a:p>
+          <a:p>
+            <a:r>
+              <a:rPr lang="en-US" dirty="0"/>
+              <a:t>Different Operators</a:t>
+            </a:r>
+          </a:p>
+          <a:p>
+            <a:r>
+              <a:rPr lang="en-US" dirty="0"/>
+              <a:t>Not Type safe</a:t>
+            </a:r>
+          </a:p>
+          <a:p>
+            <a:endParaRPr lang="en-US" dirty="0"/>
+          </a:p>
+          <a:p>
+            <a:r>
+              <a:rPr lang="en-US" dirty="0"/>
+              <a:t>Curly bracket language like C#</a:t>
+            </a:r>
+          </a:p>
+          <a:p>
+            <a:r>
+              <a:rPr lang="en-US" dirty="0"/>
+              <a:t>Scripting Language</a:t>
+            </a:r>
+          </a:p>
+        </p:txBody>
+      </p:sp>
+    </p:spTree>
+    <p:extLst>
+      <p:ext uri="{BB962C8B-B14F-4D97-AF65-F5344CB8AC3E}">
+        <p14:creationId xmlns:p14="http://schemas.microsoft.com/office/powerpoint/2010/main" val="3628737626"/>
+      </p:ext>
+    </p:extLst>
+  </p:cSld>
+  <p:clrMapOvr>
+    <a:masterClrMapping/>
+  </p:clrMapOvr>
+</p:sld>
+</file>
+
 <file path=ppt/slides/slide5.xml><?xml version="1.0" encoding="utf-8"?>
 <p:sld xmlns:a="http://schemas.openxmlformats.org/drawingml/2006/main" xmlns:r="http://schemas.openxmlformats.org/officeDocument/2006/relationships" xmlns:p="http://schemas.openxmlformats.org/presentationml/2006/main">
   <p:cSld>
@@ -25052,8 +24515,8 @@
           <a:lstStyle/>
           <a:p>
             <a:r>
-              <a:rPr lang="nl-NL" dirty="0"/>
-              <a:t>Fundamentals</a:t>
+              <a:rPr lang="en-US" dirty="0"/>
+              <a:t>Case Sensitive &amp; Parentheses</a:t>
             </a:r>
           </a:p>
         </p:txBody>
@@ -25074,113 +24537,6 @@
           <a:lstStyle/>
           <a:p>
             <a:r>
-              <a:rPr lang="en-US" dirty="0"/>
-              <a:t>Case Sensitive</a:t>
-            </a:r>
-          </a:p>
-          <a:p>
-            <a:r>
-              <a:rPr lang="en-US" dirty="0"/>
-              <a:t>Requires Parentheses</a:t>
-            </a:r>
-          </a:p>
-          <a:p>
-            <a:r>
-              <a:rPr lang="en-US" dirty="0"/>
-              <a:t>Different Operators</a:t>
-            </a:r>
-          </a:p>
-          <a:p>
-            <a:r>
-              <a:rPr lang="en-US" dirty="0"/>
-              <a:t>Not Type safe</a:t>
-            </a:r>
-          </a:p>
-          <a:p>
-            <a:endParaRPr lang="en-US" dirty="0"/>
-          </a:p>
-          <a:p>
-            <a:r>
-              <a:rPr lang="en-US" dirty="0"/>
-              <a:t>Curly bracket language like C#</a:t>
-            </a:r>
-          </a:p>
-          <a:p>
-            <a:r>
-              <a:rPr lang="en-US" dirty="0"/>
-              <a:t>Scripting Language</a:t>
-            </a:r>
-          </a:p>
-        </p:txBody>
-      </p:sp>
-    </p:spTree>
-    <p:extLst>
-      <p:ext uri="{BB962C8B-B14F-4D97-AF65-F5344CB8AC3E}">
-        <p14:creationId xmlns:p14="http://schemas.microsoft.com/office/powerpoint/2010/main" val="3628737626"/>
-      </p:ext>
-    </p:extLst>
-  </p:cSld>
-  <p:clrMapOvr>
-    <a:masterClrMapping/>
-  </p:clrMapOvr>
-</p:sld>
-</file>
-
-<file path=ppt/slides/slide6.xml><?xml version="1.0" encoding="utf-8"?>
-<p:sld xmlns:a="http://schemas.openxmlformats.org/drawingml/2006/main" xmlns:r="http://schemas.openxmlformats.org/officeDocument/2006/relationships" xmlns:p="http://schemas.openxmlformats.org/presentationml/2006/main">
-  <p:cSld>
-    <p:spTree>
-      <p:nvGrpSpPr>
-        <p:cNvPr id="1" name=""/>
-        <p:cNvGrpSpPr/>
-        <p:nvPr/>
-      </p:nvGrpSpPr>
-      <p:grpSpPr>
-        <a:xfrm>
-          <a:off x="0" y="0"/>
-          <a:ext cx="0" cy="0"/>
-          <a:chOff x="0" y="0"/>
-          <a:chExt cx="0" cy="0"/>
-        </a:xfrm>
-      </p:grpSpPr>
-      <p:sp>
-        <p:nvSpPr>
-          <p:cNvPr id="2" name="Titel 1"/>
-          <p:cNvSpPr>
-            <a:spLocks noGrp="1"/>
-          </p:cNvSpPr>
-          <p:nvPr>
-            <p:ph type="title"/>
-          </p:nvPr>
-        </p:nvSpPr>
-        <p:spPr/>
-        <p:txBody>
-          <a:bodyPr/>
-          <a:lstStyle/>
-          <a:p>
-            <a:r>
-              <a:rPr lang="en-US" dirty="0"/>
-              <a:t>Case Sensitive &amp; Parentheses</a:t>
-            </a:r>
-          </a:p>
-        </p:txBody>
-      </p:sp>
-      <p:sp>
-        <p:nvSpPr>
-          <p:cNvPr id="3" name="Tijdelijke aanduiding voor inhoud 2"/>
-          <p:cNvSpPr>
-            <a:spLocks noGrp="1"/>
-          </p:cNvSpPr>
-          <p:nvPr>
-            <p:ph idx="1"/>
-          </p:nvPr>
-        </p:nvSpPr>
-        <p:spPr/>
-        <p:txBody>
-          <a:bodyPr/>
-          <a:lstStyle/>
-          <a:p>
-            <a:r>
               <a:rPr lang="nl-NL" dirty="0" err="1"/>
               <a:t>CompanyInformation.Get</a:t>
             </a:r>
@@ -25230,7 +24586,7 @@
 </p:sld>
 </file>
 
-<file path=ppt/slides/slide7.xml><?xml version="1.0" encoding="utf-8"?>
+<file path=ppt/slides/slide6.xml><?xml version="1.0" encoding="utf-8"?>
 <p:sld xmlns:a="http://schemas.openxmlformats.org/drawingml/2006/main" xmlns:r="http://schemas.openxmlformats.org/officeDocument/2006/relationships" xmlns:p="http://schemas.openxmlformats.org/presentationml/2006/main">
   <p:cSld>
     <p:spTree>
@@ -25795,7 +25151,7 @@
 </p:sld>
 </file>
 
-<file path=ppt/slides/slide8.xml><?xml version="1.0" encoding="utf-8"?>
+<file path=ppt/slides/slide7.xml><?xml version="1.0" encoding="utf-8"?>
 <p:sld xmlns:a="http://schemas.openxmlformats.org/drawingml/2006/main" xmlns:r="http://schemas.openxmlformats.org/officeDocument/2006/relationships" xmlns:p="http://schemas.openxmlformats.org/presentationml/2006/main">
   <p:cSld>
     <p:spTree>
@@ -26493,7 +25849,7 @@
 </p:sld>
 </file>
 
-<file path=ppt/slides/slide9.xml><?xml version="1.0" encoding="utf-8"?>
+<file path=ppt/slides/slide8.xml><?xml version="1.0" encoding="utf-8"?>
 <p:sld xmlns:a="http://schemas.openxmlformats.org/drawingml/2006/main" xmlns:r="http://schemas.openxmlformats.org/officeDocument/2006/relationships" xmlns:p="http://schemas.openxmlformats.org/presentationml/2006/main">
   <p:cSld>
     <p:spTree>
@@ -27174,6 +26530,562 @@
     <p:extLst>
       <p:ext uri="{BB962C8B-B14F-4D97-AF65-F5344CB8AC3E}">
         <p14:creationId xmlns:p14="http://schemas.microsoft.com/office/powerpoint/2010/main" val="2563439095"/>
+      </p:ext>
+    </p:extLst>
+  </p:cSld>
+  <p:clrMapOvr>
+    <a:masterClrMapping/>
+  </p:clrMapOvr>
+</p:sld>
+</file>
+
+<file path=ppt/slides/slide9.xml><?xml version="1.0" encoding="utf-8"?>
+<p:sld xmlns:a="http://schemas.openxmlformats.org/drawingml/2006/main" xmlns:r="http://schemas.openxmlformats.org/officeDocument/2006/relationships" xmlns:p="http://schemas.openxmlformats.org/presentationml/2006/main">
+  <p:cSld>
+    <p:spTree>
+      <p:nvGrpSpPr>
+        <p:cNvPr id="1" name=""/>
+        <p:cNvGrpSpPr/>
+        <p:nvPr/>
+      </p:nvGrpSpPr>
+      <p:grpSpPr>
+        <a:xfrm>
+          <a:off x="0" y="0"/>
+          <a:ext cx="0" cy="0"/>
+          <a:chOff x="0" y="0"/>
+          <a:chExt cx="0" cy="0"/>
+        </a:xfrm>
+      </p:grpSpPr>
+      <p:sp>
+        <p:nvSpPr>
+          <p:cNvPr id="2" name="Titel 1"/>
+          <p:cNvSpPr>
+            <a:spLocks noGrp="1"/>
+          </p:cNvSpPr>
+          <p:nvPr>
+            <p:ph type="title"/>
+          </p:nvPr>
+        </p:nvSpPr>
+        <p:spPr/>
+        <p:txBody>
+          <a:bodyPr/>
+          <a:lstStyle/>
+          <a:p>
+            <a:r>
+              <a:rPr lang="nl-NL" dirty="0" err="1"/>
+              <a:t>Logical</a:t>
+            </a:r>
+            <a:r>
+              <a:rPr lang="nl-NL" dirty="0"/>
+              <a:t> &amp; Type Operators</a:t>
+            </a:r>
+          </a:p>
+        </p:txBody>
+      </p:sp>
+      <p:graphicFrame>
+        <p:nvGraphicFramePr>
+          <p:cNvPr id="4" name="Tijdelijke aanduiding voor inhoud 3"/>
+          <p:cNvGraphicFramePr>
+            <a:graphicFrameLocks noGrp="1"/>
+          </p:cNvGraphicFramePr>
+          <p:nvPr>
+            <p:ph idx="1"/>
+          </p:nvPr>
+        </p:nvGraphicFramePr>
+        <p:xfrm>
+          <a:off x="838200" y="1690688"/>
+          <a:ext cx="10515600" cy="1463040"/>
+        </p:xfrm>
+        <a:graphic>
+          <a:graphicData uri="http://schemas.openxmlformats.org/drawingml/2006/table">
+            <a:tbl>
+              <a:tblPr/>
+              <a:tblGrid>
+                <a:gridCol w="5257800">
+                  <a:extLst>
+                    <a:ext uri="{9D8B030D-6E8A-4147-A177-3AD203B41FA5}">
+                      <a16:colId xmlns:a16="http://schemas.microsoft.com/office/drawing/2014/main" val="2393266909"/>
+                    </a:ext>
+                  </a:extLst>
+                </a:gridCol>
+                <a:gridCol w="5257800">
+                  <a:extLst>
+                    <a:ext uri="{9D8B030D-6E8A-4147-A177-3AD203B41FA5}">
+                      <a16:colId xmlns:a16="http://schemas.microsoft.com/office/drawing/2014/main" val="2370691890"/>
+                    </a:ext>
+                  </a:extLst>
+                </a:gridCol>
+              </a:tblGrid>
+              <a:tr h="0">
+                <a:tc>
+                  <a:txBody>
+                    <a:bodyPr/>
+                    <a:lstStyle/>
+                    <a:p>
+                      <a:r>
+                        <a:rPr lang="nl-NL">
+                          <a:effectLst/>
+                        </a:rPr>
+                        <a:t>Operator</a:t>
+                      </a:r>
+                    </a:p>
+                  </a:txBody>
+                  <a:tcPr anchor="ctr">
+                    <a:lnL>
+                      <a:noFill/>
+                    </a:lnL>
+                    <a:lnR>
+                      <a:noFill/>
+                    </a:lnR>
+                    <a:lnT>
+                      <a:noFill/>
+                    </a:lnT>
+                    <a:lnB>
+                      <a:noFill/>
+                    </a:lnB>
+                  </a:tcPr>
+                </a:tc>
+                <a:tc>
+                  <a:txBody>
+                    <a:bodyPr/>
+                    <a:lstStyle/>
+                    <a:p>
+                      <a:r>
+                        <a:rPr lang="nl-NL"/>
+                        <a:t>Description</a:t>
+                      </a:r>
+                    </a:p>
+                  </a:txBody>
+                  <a:tcPr anchor="ctr">
+                    <a:lnL>
+                      <a:noFill/>
+                    </a:lnL>
+                    <a:lnR>
+                      <a:noFill/>
+                    </a:lnR>
+                    <a:lnT>
+                      <a:noFill/>
+                    </a:lnT>
+                    <a:lnB>
+                      <a:noFill/>
+                    </a:lnB>
+                  </a:tcPr>
+                </a:tc>
+                <a:extLst>
+                  <a:ext uri="{0D108BD9-81ED-4DB2-BD59-A6C34878D82A}">
+                    <a16:rowId xmlns:a16="http://schemas.microsoft.com/office/drawing/2014/main" val="3926639298"/>
+                  </a:ext>
+                </a:extLst>
+              </a:tr>
+              <a:tr h="0">
+                <a:tc>
+                  <a:txBody>
+                    <a:bodyPr/>
+                    <a:lstStyle/>
+                    <a:p>
+                      <a:r>
+                        <a:rPr lang="nl-NL"/>
+                        <a:t>&amp;&amp;</a:t>
+                      </a:r>
+                    </a:p>
+                  </a:txBody>
+                  <a:tcPr anchor="ctr">
+                    <a:lnL>
+                      <a:noFill/>
+                    </a:lnL>
+                    <a:lnR>
+                      <a:noFill/>
+                    </a:lnR>
+                    <a:lnT>
+                      <a:noFill/>
+                    </a:lnT>
+                    <a:lnB>
+                      <a:noFill/>
+                    </a:lnB>
+                  </a:tcPr>
+                </a:tc>
+                <a:tc>
+                  <a:txBody>
+                    <a:bodyPr/>
+                    <a:lstStyle/>
+                    <a:p>
+                      <a:r>
+                        <a:rPr lang="nl-NL"/>
+                        <a:t>logical and</a:t>
+                      </a:r>
+                    </a:p>
+                  </a:txBody>
+                  <a:tcPr anchor="ctr">
+                    <a:lnL>
+                      <a:noFill/>
+                    </a:lnL>
+                    <a:lnR>
+                      <a:noFill/>
+                    </a:lnR>
+                    <a:lnT>
+                      <a:noFill/>
+                    </a:lnT>
+                    <a:lnB>
+                      <a:noFill/>
+                    </a:lnB>
+                  </a:tcPr>
+                </a:tc>
+                <a:extLst>
+                  <a:ext uri="{0D108BD9-81ED-4DB2-BD59-A6C34878D82A}">
+                    <a16:rowId xmlns:a16="http://schemas.microsoft.com/office/drawing/2014/main" val="1308634113"/>
+                  </a:ext>
+                </a:extLst>
+              </a:tr>
+              <a:tr h="0">
+                <a:tc>
+                  <a:txBody>
+                    <a:bodyPr/>
+                    <a:lstStyle/>
+                    <a:p>
+                      <a:r>
+                        <a:rPr lang="nl-NL"/>
+                        <a:t>||</a:t>
+                      </a:r>
+                    </a:p>
+                  </a:txBody>
+                  <a:tcPr anchor="ctr">
+                    <a:lnL>
+                      <a:noFill/>
+                    </a:lnL>
+                    <a:lnR>
+                      <a:noFill/>
+                    </a:lnR>
+                    <a:lnT>
+                      <a:noFill/>
+                    </a:lnT>
+                    <a:lnB>
+                      <a:noFill/>
+                    </a:lnB>
+                  </a:tcPr>
+                </a:tc>
+                <a:tc>
+                  <a:txBody>
+                    <a:bodyPr/>
+                    <a:lstStyle/>
+                    <a:p>
+                      <a:r>
+                        <a:rPr lang="nl-NL"/>
+                        <a:t>logical or</a:t>
+                      </a:r>
+                    </a:p>
+                  </a:txBody>
+                  <a:tcPr anchor="ctr">
+                    <a:lnL>
+                      <a:noFill/>
+                    </a:lnL>
+                    <a:lnR>
+                      <a:noFill/>
+                    </a:lnR>
+                    <a:lnT>
+                      <a:noFill/>
+                    </a:lnT>
+                    <a:lnB>
+                      <a:noFill/>
+                    </a:lnB>
+                  </a:tcPr>
+                </a:tc>
+                <a:extLst>
+                  <a:ext uri="{0D108BD9-81ED-4DB2-BD59-A6C34878D82A}">
+                    <a16:rowId xmlns:a16="http://schemas.microsoft.com/office/drawing/2014/main" val="2395242936"/>
+                  </a:ext>
+                </a:extLst>
+              </a:tr>
+              <a:tr h="0">
+                <a:tc>
+                  <a:txBody>
+                    <a:bodyPr/>
+                    <a:lstStyle/>
+                    <a:p>
+                      <a:r>
+                        <a:rPr lang="nl-NL"/>
+                        <a:t>!</a:t>
+                      </a:r>
+                    </a:p>
+                  </a:txBody>
+                  <a:tcPr anchor="ctr">
+                    <a:lnL>
+                      <a:noFill/>
+                    </a:lnL>
+                    <a:lnR>
+                      <a:noFill/>
+                    </a:lnR>
+                    <a:lnT>
+                      <a:noFill/>
+                    </a:lnT>
+                    <a:lnB>
+                      <a:noFill/>
+                    </a:lnB>
+                  </a:tcPr>
+                </a:tc>
+                <a:tc>
+                  <a:txBody>
+                    <a:bodyPr/>
+                    <a:lstStyle/>
+                    <a:p>
+                      <a:r>
+                        <a:rPr lang="nl-NL" dirty="0" err="1"/>
+                        <a:t>logical</a:t>
+                      </a:r>
+                      <a:r>
+                        <a:rPr lang="nl-NL" dirty="0"/>
+                        <a:t> </a:t>
+                      </a:r>
+                      <a:r>
+                        <a:rPr lang="nl-NL" dirty="0" err="1"/>
+                        <a:t>not</a:t>
+                      </a:r>
+                      <a:endParaRPr lang="nl-NL" dirty="0"/>
+                    </a:p>
+                  </a:txBody>
+                  <a:tcPr anchor="ctr">
+                    <a:lnL>
+                      <a:noFill/>
+                    </a:lnL>
+                    <a:lnR>
+                      <a:noFill/>
+                    </a:lnR>
+                    <a:lnT>
+                      <a:noFill/>
+                    </a:lnT>
+                    <a:lnB>
+                      <a:noFill/>
+                    </a:lnB>
+                  </a:tcPr>
+                </a:tc>
+                <a:extLst>
+                  <a:ext uri="{0D108BD9-81ED-4DB2-BD59-A6C34878D82A}">
+                    <a16:rowId xmlns:a16="http://schemas.microsoft.com/office/drawing/2014/main" val="1068853729"/>
+                  </a:ext>
+                </a:extLst>
+              </a:tr>
+            </a:tbl>
+          </a:graphicData>
+        </a:graphic>
+      </p:graphicFrame>
+      <p:graphicFrame>
+        <p:nvGraphicFramePr>
+          <p:cNvPr id="5" name="Tabel 4"/>
+          <p:cNvGraphicFramePr>
+            <a:graphicFrameLocks noGrp="1"/>
+          </p:cNvGraphicFramePr>
+          <p:nvPr/>
+        </p:nvGraphicFramePr>
+        <p:xfrm>
+          <a:off x="838200" y="3569494"/>
+          <a:ext cx="10515600" cy="1371600"/>
+        </p:xfrm>
+        <a:graphic>
+          <a:graphicData uri="http://schemas.openxmlformats.org/drawingml/2006/table">
+            <a:tbl>
+              <a:tblPr/>
+              <a:tblGrid>
+                <a:gridCol w="5257800">
+                  <a:extLst>
+                    <a:ext uri="{9D8B030D-6E8A-4147-A177-3AD203B41FA5}">
+                      <a16:colId xmlns:a16="http://schemas.microsoft.com/office/drawing/2014/main" val="3388283347"/>
+                    </a:ext>
+                  </a:extLst>
+                </a:gridCol>
+                <a:gridCol w="5257800">
+                  <a:extLst>
+                    <a:ext uri="{9D8B030D-6E8A-4147-A177-3AD203B41FA5}">
+                      <a16:colId xmlns:a16="http://schemas.microsoft.com/office/drawing/2014/main" val="1771564552"/>
+                    </a:ext>
+                  </a:extLst>
+                </a:gridCol>
+              </a:tblGrid>
+              <a:tr h="0">
+                <a:tc>
+                  <a:txBody>
+                    <a:bodyPr/>
+                    <a:lstStyle/>
+                    <a:p>
+                      <a:r>
+                        <a:rPr lang="nl-NL">
+                          <a:effectLst/>
+                        </a:rPr>
+                        <a:t>Operator</a:t>
+                      </a:r>
+                    </a:p>
+                  </a:txBody>
+                  <a:tcPr anchor="ctr">
+                    <a:lnL>
+                      <a:noFill/>
+                    </a:lnL>
+                    <a:lnR>
+                      <a:noFill/>
+                    </a:lnR>
+                    <a:lnT>
+                      <a:noFill/>
+                    </a:lnT>
+                    <a:lnB>
+                      <a:noFill/>
+                    </a:lnB>
+                  </a:tcPr>
+                </a:tc>
+                <a:tc>
+                  <a:txBody>
+                    <a:bodyPr/>
+                    <a:lstStyle/>
+                    <a:p>
+                      <a:r>
+                        <a:rPr lang="nl-NL"/>
+                        <a:t>Description</a:t>
+                      </a:r>
+                    </a:p>
+                  </a:txBody>
+                  <a:tcPr anchor="ctr">
+                    <a:lnL>
+                      <a:noFill/>
+                    </a:lnL>
+                    <a:lnR>
+                      <a:noFill/>
+                    </a:lnR>
+                    <a:lnT>
+                      <a:noFill/>
+                    </a:lnT>
+                    <a:lnB>
+                      <a:noFill/>
+                    </a:lnB>
+                  </a:tcPr>
+                </a:tc>
+                <a:extLst>
+                  <a:ext uri="{0D108BD9-81ED-4DB2-BD59-A6C34878D82A}">
+                    <a16:rowId xmlns:a16="http://schemas.microsoft.com/office/drawing/2014/main" val="1295582507"/>
+                  </a:ext>
+                </a:extLst>
+              </a:tr>
+              <a:tr h="0">
+                <a:tc>
+                  <a:txBody>
+                    <a:bodyPr/>
+                    <a:lstStyle/>
+                    <a:p>
+                      <a:r>
+                        <a:rPr lang="nl-NL"/>
+                        <a:t>typeof</a:t>
+                      </a:r>
+                    </a:p>
+                  </a:txBody>
+                  <a:tcPr anchor="ctr">
+                    <a:lnL>
+                      <a:noFill/>
+                    </a:lnL>
+                    <a:lnR>
+                      <a:noFill/>
+                    </a:lnR>
+                    <a:lnT>
+                      <a:noFill/>
+                    </a:lnT>
+                    <a:lnB>
+                      <a:noFill/>
+                    </a:lnB>
+                  </a:tcPr>
+                </a:tc>
+                <a:tc>
+                  <a:txBody>
+                    <a:bodyPr/>
+                    <a:lstStyle/>
+                    <a:p>
+                      <a:r>
+                        <a:rPr lang="en-US"/>
+                        <a:t>Returns the type of a variable</a:t>
+                      </a:r>
+                    </a:p>
+                  </a:txBody>
+                  <a:tcPr anchor="ctr">
+                    <a:lnL>
+                      <a:noFill/>
+                    </a:lnL>
+                    <a:lnR>
+                      <a:noFill/>
+                    </a:lnR>
+                    <a:lnT>
+                      <a:noFill/>
+                    </a:lnT>
+                    <a:lnB>
+                      <a:noFill/>
+                    </a:lnB>
+                  </a:tcPr>
+                </a:tc>
+                <a:extLst>
+                  <a:ext uri="{0D108BD9-81ED-4DB2-BD59-A6C34878D82A}">
+                    <a16:rowId xmlns:a16="http://schemas.microsoft.com/office/drawing/2014/main" val="3284969778"/>
+                  </a:ext>
+                </a:extLst>
+              </a:tr>
+              <a:tr h="0">
+                <a:tc>
+                  <a:txBody>
+                    <a:bodyPr/>
+                    <a:lstStyle/>
+                    <a:p>
+                      <a:r>
+                        <a:rPr lang="nl-NL"/>
+                        <a:t>instanceof</a:t>
+                      </a:r>
+                    </a:p>
+                  </a:txBody>
+                  <a:tcPr anchor="ctr">
+                    <a:lnL>
+                      <a:noFill/>
+                    </a:lnL>
+                    <a:lnR>
+                      <a:noFill/>
+                    </a:lnR>
+                    <a:lnT>
+                      <a:noFill/>
+                    </a:lnT>
+                    <a:lnB>
+                      <a:noFill/>
+                    </a:lnB>
+                  </a:tcPr>
+                </a:tc>
+                <a:tc>
+                  <a:txBody>
+                    <a:bodyPr/>
+                    <a:lstStyle/>
+                    <a:p>
+                      <a:r>
+                        <a:rPr lang="en-US" dirty="0"/>
+                        <a:t>Returns true if an object is an instance of an object type</a:t>
+                      </a:r>
+                    </a:p>
+                  </a:txBody>
+                  <a:tcPr anchor="ctr">
+                    <a:lnL>
+                      <a:noFill/>
+                    </a:lnL>
+                    <a:lnR>
+                      <a:noFill/>
+                    </a:lnR>
+                    <a:lnT>
+                      <a:noFill/>
+                    </a:lnT>
+                    <a:lnB>
+                      <a:noFill/>
+                    </a:lnB>
+                  </a:tcPr>
+                </a:tc>
+                <a:extLst>
+                  <a:ext uri="{0D108BD9-81ED-4DB2-BD59-A6C34878D82A}">
+                    <a16:rowId xmlns:a16="http://schemas.microsoft.com/office/drawing/2014/main" val="1641264672"/>
+                  </a:ext>
+                </a:extLst>
+              </a:tr>
+            </a:tbl>
+          </a:graphicData>
+        </a:graphic>
+      </p:graphicFrame>
+    </p:spTree>
+    <p:extLst>
+      <p:ext uri="{BB962C8B-B14F-4D97-AF65-F5344CB8AC3E}">
+        <p14:creationId xmlns:p14="http://schemas.microsoft.com/office/powerpoint/2010/main" val="847020233"/>
       </p:ext>
     </p:extLst>
   </p:cSld>
